--- a/predavanja/prezentacije/UVIT01-02-Uvod u Internet.pptx
+++ b/predavanja/prezentacije/UVIT01-02-Uvod u Internet.pptx
@@ -85,12 +85,12 @@
     <p:sldId id="438" r:id="rId73"/>
     <p:sldId id="418" r:id="rId74"/>
     <p:sldId id="419" r:id="rId75"/>
-    <p:sldId id="420" r:id="rId76"/>
-    <p:sldId id="423" r:id="rId77"/>
-    <p:sldId id="421" r:id="rId78"/>
-    <p:sldId id="427" r:id="rId79"/>
-    <p:sldId id="428" r:id="rId80"/>
-    <p:sldId id="429" r:id="rId81"/>
+    <p:sldId id="454" r:id="rId76"/>
+    <p:sldId id="427" r:id="rId77"/>
+    <p:sldId id="423" r:id="rId78"/>
+    <p:sldId id="455" r:id="rId79"/>
+    <p:sldId id="429" r:id="rId80"/>
+    <p:sldId id="421" r:id="rId81"/>
     <p:sldId id="430" r:id="rId82"/>
     <p:sldId id="422" r:id="rId83"/>
     <p:sldId id="426" r:id="rId84"/>
@@ -338,7 +338,7 @@
           <a:p>
             <a:fld id="{F07B70C6-757F-4600-A347-5E68BBCA3609}" type="datetimeFigureOut">
               <a:rPr lang="en-US" smtClean="0"/>
-              <a:t>10/4/2018</a:t>
+              <a:t>10/6/2018</a:t>
             </a:fld>
             <a:endParaRPr lang="en-US"/>
           </a:p>
@@ -503,7 +503,7 @@
           <a:p>
             <a:fld id="{6B3683FA-0560-4266-A2CA-8A7D404C35FD}" type="datetimeFigureOut">
               <a:rPr lang="en-US" smtClean="0"/>
-              <a:t>10/4/2018</a:t>
+              <a:t>10/6/2018</a:t>
             </a:fld>
             <a:endParaRPr lang="en-US"/>
           </a:p>
@@ -26009,15 +26009,7 @@
                   <a:schemeClr val="hlink"/>
                 </a:solidFill>
               </a:rPr>
-              <a:t>– </a:t>
-            </a:r>
-            <a:r>
-              <a:rPr lang="sr-Latn-RS" altLang="en-US" sz="3200" dirty="0" smtClean="0">
-                <a:solidFill>
-                  <a:schemeClr val="hlink"/>
-                </a:solidFill>
-              </a:rPr>
-              <a:t>elektronska pošta</a:t>
+              <a:t>– elektronska pošta</a:t>
             </a:r>
             <a:endParaRPr lang="en-US" altLang="en-US" b="1" dirty="0" smtClean="0"/>
           </a:p>
@@ -26959,15 +26951,7 @@
                   <a:schemeClr val="hlink"/>
                 </a:solidFill>
               </a:rPr>
-              <a:t>– </a:t>
-            </a:r>
-            <a:r>
-              <a:rPr lang="sr-Latn-RS" altLang="en-US" sz="3200" dirty="0">
-                <a:solidFill>
-                  <a:schemeClr val="hlink"/>
-                </a:solidFill>
-              </a:rPr>
-              <a:t>elektronska pošta </a:t>
+              <a:t>– elektronska pošta </a:t>
             </a:r>
             <a:r>
               <a:rPr lang="sr-Latn-RS" altLang="en-US" sz="3200" dirty="0" smtClean="0">
@@ -27258,15 +27242,7 @@
                   <a:schemeClr val="hlink"/>
                 </a:solidFill>
               </a:rPr>
-              <a:t>– </a:t>
-            </a:r>
-            <a:r>
-              <a:rPr lang="sr-Latn-RS" altLang="en-US" sz="3200" dirty="0">
-                <a:solidFill>
-                  <a:schemeClr val="hlink"/>
-                </a:solidFill>
-              </a:rPr>
-              <a:t>elektronska pošta </a:t>
+              <a:t>– elektronska pošta </a:t>
             </a:r>
             <a:r>
               <a:rPr lang="sr-Latn-RS" altLang="en-US" sz="3200" dirty="0" smtClean="0">
@@ -27423,7 +27399,6 @@
               <a:rPr lang="sr-Latn-RS" altLang="en-US" dirty="0" smtClean="0"/>
               <a:t>.</a:t>
             </a:r>
-            <a:endParaRPr lang="sr-Latn-RS" altLang="en-US" dirty="0" smtClean="0"/>
           </a:p>
         </p:txBody>
       </p:sp>
@@ -27559,15 +27534,7 @@
                   <a:schemeClr val="hlink"/>
                 </a:solidFill>
               </a:rPr>
-              <a:t>– </a:t>
-            </a:r>
-            <a:r>
-              <a:rPr lang="sr-Latn-RS" altLang="en-US" sz="3200" dirty="0">
-                <a:solidFill>
-                  <a:schemeClr val="hlink"/>
-                </a:solidFill>
-              </a:rPr>
-              <a:t>elektronska pošta </a:t>
+              <a:t>– elektronska pošta </a:t>
             </a:r>
             <a:r>
               <a:rPr lang="sr-Latn-RS" altLang="en-US" sz="3200" dirty="0" smtClean="0">
@@ -27896,15 +27863,7 @@
                   <a:schemeClr val="hlink"/>
                 </a:solidFill>
               </a:rPr>
-              <a:t>– </a:t>
-            </a:r>
-            <a:r>
-              <a:rPr lang="sr-Latn-RS" altLang="en-US" sz="3200" dirty="0">
-                <a:solidFill>
-                  <a:schemeClr val="hlink"/>
-                </a:solidFill>
-              </a:rPr>
-              <a:t>elektronska pošta </a:t>
+              <a:t>– elektronska pošta </a:t>
             </a:r>
             <a:r>
               <a:rPr lang="sr-Latn-RS" altLang="en-US" sz="3200" dirty="0" smtClean="0">
@@ -28268,15 +28227,7 @@
                   <a:schemeClr val="hlink"/>
                 </a:solidFill>
               </a:rPr>
-              <a:t>Internet servisi </a:t>
-            </a:r>
-            <a:r>
-              <a:rPr lang="sr-Latn-RS" altLang="en-US" sz="3200" dirty="0" smtClean="0">
-                <a:solidFill>
-                  <a:schemeClr val="hlink"/>
-                </a:solidFill>
-              </a:rPr>
-              <a:t>– diskusione grupe</a:t>
+              <a:t>Internet servisi – diskusione grupe</a:t>
             </a:r>
             <a:endParaRPr lang="en-US" altLang="en-US" b="1" dirty="0" smtClean="0"/>
           </a:p>
@@ -31360,15 +31311,7 @@
                   <a:schemeClr val="hlink"/>
                 </a:solidFill>
               </a:rPr>
-              <a:t>Internet servisi </a:t>
-            </a:r>
-            <a:r>
-              <a:rPr lang="sr-Latn-RS" altLang="en-US" sz="3200" dirty="0" smtClean="0">
-                <a:solidFill>
-                  <a:schemeClr val="hlink"/>
-                </a:solidFill>
-              </a:rPr>
-              <a:t>– veb (2)</a:t>
+              <a:t>Internet servisi – veb (2)</a:t>
             </a:r>
             <a:endParaRPr lang="en-US" altLang="en-US" b="1" dirty="0" smtClean="0"/>
           </a:p>
@@ -31865,15 +31808,7 @@
                   <a:schemeClr val="hlink"/>
                 </a:solidFill>
               </a:rPr>
-              <a:t>Internet servisi </a:t>
-            </a:r>
-            <a:r>
-              <a:rPr lang="sr-Latn-RS" altLang="en-US" sz="3200" dirty="0" smtClean="0">
-                <a:solidFill>
-                  <a:schemeClr val="hlink"/>
-                </a:solidFill>
-              </a:rPr>
-              <a:t>– veb (3)</a:t>
+              <a:t>Internet servisi – veb (3)</a:t>
             </a:r>
             <a:endParaRPr lang="en-US" altLang="en-US" b="1" dirty="0" smtClean="0"/>
           </a:p>
@@ -32049,7 +31984,6 @@
               <a:rPr lang="sr-Latn-RS" altLang="en-US" dirty="0" smtClean="0"/>
               <a:t>ke 404 označava da resurs nije pronađen)</a:t>
             </a:r>
-            <a:endParaRPr lang="sr-Latn-RS" altLang="en-US" dirty="0" smtClean="0"/>
           </a:p>
         </p:txBody>
       </p:sp>
@@ -32169,15 +32103,7 @@
                   <a:schemeClr val="hlink"/>
                 </a:solidFill>
               </a:rPr>
-              <a:t>Internet servisi </a:t>
-            </a:r>
-            <a:r>
-              <a:rPr lang="sr-Latn-RS" altLang="en-US" sz="3200" dirty="0" smtClean="0">
-                <a:solidFill>
-                  <a:schemeClr val="hlink"/>
-                </a:solidFill>
-              </a:rPr>
-              <a:t>– veb (4)</a:t>
+              <a:t>Internet servisi – veb (4)</a:t>
             </a:r>
             <a:endParaRPr lang="en-US" altLang="en-US" b="1" dirty="0" smtClean="0"/>
           </a:p>
@@ -32357,7 +32283,6 @@
               <a:rPr lang="sr-Latn-RS" altLang="en-US" dirty="0" smtClean="0"/>
               <a:t> itd.</a:t>
             </a:r>
-            <a:endParaRPr lang="sr-Latn-RS" altLang="en-US" dirty="0" smtClean="0"/>
           </a:p>
         </p:txBody>
       </p:sp>
@@ -32477,15 +32402,7 @@
                   <a:schemeClr val="hlink"/>
                 </a:solidFill>
               </a:rPr>
-              <a:t>Internet servisi </a:t>
-            </a:r>
-            <a:r>
-              <a:rPr lang="sr-Latn-RS" altLang="en-US" sz="3200" dirty="0" smtClean="0">
-                <a:solidFill>
-                  <a:schemeClr val="hlink"/>
-                </a:solidFill>
-              </a:rPr>
-              <a:t>– veb (5)</a:t>
+              <a:t>Internet servisi – veb (5)</a:t>
             </a:r>
             <a:endParaRPr lang="en-US" altLang="en-US" b="1" dirty="0" smtClean="0"/>
           </a:p>
@@ -33514,23 +33431,7 @@
                   <a:schemeClr val="hlink"/>
                 </a:solidFill>
               </a:rPr>
-              <a:t>Internet servisi – </a:t>
-            </a:r>
-            <a:r>
-              <a:rPr lang="sr-Latn-RS" altLang="en-US" sz="3200" dirty="0" smtClean="0">
-                <a:solidFill>
-                  <a:schemeClr val="hlink"/>
-                </a:solidFill>
-              </a:rPr>
-              <a:t>s</a:t>
-            </a:r>
-            <a:r>
-              <a:rPr lang="sr-Latn-RS" altLang="en-US" sz="3200" dirty="0" smtClean="0">
-                <a:solidFill>
-                  <a:schemeClr val="hlink"/>
-                </a:solidFill>
-              </a:rPr>
-              <a:t>kladišta </a:t>
+              <a:t>Internet servisi – skladišta </a:t>
             </a:r>
             <a:r>
               <a:rPr lang="sr-Latn-RS" altLang="en-US" sz="3200" dirty="0">
@@ -33785,7 +33686,6 @@
               <a:rPr lang="sr-Latn-RS" altLang="en-US" dirty="0" smtClean="0"/>
               <a:t>, itd.</a:t>
             </a:r>
-            <a:endParaRPr lang="sr-Latn-RS" altLang="en-US" dirty="0" smtClean="0"/>
           </a:p>
         </p:txBody>
       </p:sp>
@@ -34158,17 +34058,8 @@
             </a:r>
             <a:r>
               <a:rPr lang="sr-Latn-RS" altLang="en-US" dirty="0" smtClean="0"/>
-              <a:t>ICQ, </a:t>
-            </a:r>
-            <a:r>
-              <a:rPr lang="sr-Latn-RS" altLang="en-US" dirty="0" smtClean="0"/>
-              <a:t>itd</a:t>
-            </a:r>
-            <a:r>
-              <a:rPr lang="sr-Latn-RS" altLang="en-US" dirty="0" smtClean="0"/>
-              <a:t>. </a:t>
-            </a:r>
-            <a:endParaRPr lang="sr-Latn-RS" altLang="en-US" dirty="0" smtClean="0"/>
+              <a:t>ICQ, itd. </a:t>
+            </a:r>
           </a:p>
           <a:p>
             <a:pPr marL="1257300" lvl="2" indent="-457200" eaLnBrk="1" hangingPunct="1"/>
@@ -34208,7 +34099,6 @@
               <a:rPr lang="sr-Latn-RS" altLang="en-US" dirty="0" smtClean="0"/>
               <a:t>, direktna komunikacija predstavlja samo jednu od mogućnosti</a:t>
             </a:r>
-            <a:endParaRPr lang="sr-Latn-RS" altLang="en-US" dirty="0" smtClean="0"/>
           </a:p>
           <a:p>
             <a:pPr marL="1257300" lvl="2" indent="-457200" eaLnBrk="1" hangingPunct="1"/>
@@ -34512,7 +34402,6 @@
               <a:rPr lang="sr-Latn-RS" altLang="en-US" dirty="0" smtClean="0"/>
               <a:t> Talk, Telegram itd.</a:t>
             </a:r>
-            <a:endParaRPr lang="sr-Latn-RS" altLang="en-US" dirty="0" smtClean="0"/>
           </a:p>
         </p:txBody>
       </p:sp>
@@ -35951,7 +35840,15 @@
                   <a:schemeClr val="hlink"/>
                 </a:solidFill>
               </a:rPr>
-              <a:t>Internet servisi – </a:t>
+              <a:t>Internet servisi – forumi, </a:t>
+            </a:r>
+            <a:r>
+              <a:rPr lang="sr-Latn-RS" altLang="en-US" sz="3200" dirty="0" err="1" smtClean="0">
+                <a:solidFill>
+                  <a:schemeClr val="hlink"/>
+                </a:solidFill>
+              </a:rPr>
+              <a:t>blogovi</a:t>
             </a:r>
             <a:r>
               <a:rPr lang="sr-Latn-RS" altLang="en-US" sz="3200" dirty="0" smtClean="0">
@@ -35959,31 +35856,7 @@
                   <a:schemeClr val="hlink"/>
                 </a:solidFill>
               </a:rPr>
-              <a:t>forumi, </a:t>
-            </a:r>
-            <a:r>
-              <a:rPr lang="sr-Latn-RS" altLang="en-US" sz="3200" dirty="0" err="1" smtClean="0">
-                <a:solidFill>
-                  <a:schemeClr val="hlink"/>
-                </a:solidFill>
-              </a:rPr>
-              <a:t>blogovi</a:t>
-            </a:r>
-            <a:r>
-              <a:rPr lang="sr-Latn-RS" altLang="en-US" sz="3200" dirty="0" smtClean="0">
-                <a:solidFill>
-                  <a:schemeClr val="hlink"/>
-                </a:solidFill>
-              </a:rPr>
-              <a:t>, društvene </a:t>
-            </a:r>
-            <a:r>
-              <a:rPr lang="sr-Latn-RS" altLang="en-US" sz="3200" dirty="0" smtClean="0">
-                <a:solidFill>
-                  <a:schemeClr val="hlink"/>
-                </a:solidFill>
-              </a:rPr>
-              <a:t>mreže</a:t>
+              <a:t>, društvene mreže</a:t>
             </a:r>
             <a:endParaRPr lang="en-US" altLang="en-US" b="1" dirty="0" smtClean="0"/>
           </a:p>
@@ -36016,15 +35889,7 @@
                   <a:srgbClr val="002060"/>
                 </a:solidFill>
               </a:rPr>
-              <a:t>Forumi</a:t>
-            </a:r>
-            <a:r>
-              <a:rPr lang="sr-Latn-RS" altLang="en-US" dirty="0">
-                <a:solidFill>
-                  <a:srgbClr val="002060"/>
-                </a:solidFill>
-              </a:rPr>
-              <a:t> </a:t>
+              <a:t>Forumi </a:t>
             </a:r>
             <a:r>
               <a:rPr lang="sr-Latn-RS" altLang="en-US" dirty="0"/>
@@ -36193,11 +36058,7 @@
             </a:r>
             <a:r>
               <a:rPr lang="sr-Latn-RS" altLang="en-US" dirty="0" smtClean="0"/>
-              <a:t>društvene mreže </a:t>
-            </a:r>
-            <a:r>
-              <a:rPr lang="sr-Latn-RS" altLang="en-US" dirty="0" smtClean="0"/>
-              <a:t>doživljavaju </a:t>
+              <a:t>društvene mreže doživljavaju </a:t>
             </a:r>
             <a:r>
               <a:rPr lang="sr-Latn-RS" altLang="en-US" dirty="0"/>
@@ -36290,7 +36151,6 @@
               <a:rPr lang="sr-Latn-RS" altLang="en-US" dirty="0" smtClean="0"/>
               <a:t> itd.</a:t>
             </a:r>
-            <a:endParaRPr lang="sr-Latn-RS" altLang="en-US" dirty="0" smtClean="0"/>
           </a:p>
           <a:p>
             <a:pPr marL="1257300" lvl="2" indent="-457200" eaLnBrk="1" hangingPunct="1"/>
@@ -36314,25 +36174,16 @@
               <a:rPr lang="sr-Latn-RS" dirty="0" smtClean="0"/>
               <a:t>, itd.</a:t>
             </a:r>
-            <a:endParaRPr lang="sr-Latn-RS" dirty="0" smtClean="0"/>
           </a:p>
           <a:p>
             <a:pPr marL="1257300" lvl="2" indent="-457200" eaLnBrk="1" hangingPunct="1"/>
             <a:r>
               <a:rPr lang="sr-Latn-RS" dirty="0" smtClean="0"/>
-              <a:t>Izuzetno dinamična dešavanja </a:t>
-            </a:r>
-            <a:r>
-              <a:rPr lang="sr-Latn-RS" dirty="0" smtClean="0"/>
-              <a:t>i promene – primeri </a:t>
+              <a:t>Izuzetno dinamična dešavanja i promene – primeri </a:t>
             </a:r>
             <a:r>
               <a:rPr lang="sr-Latn-RS" dirty="0" err="1" smtClean="0"/>
-              <a:t>Y</a:t>
-            </a:r>
-            <a:r>
-              <a:rPr lang="sr-Latn-RS" dirty="0" err="1" smtClean="0"/>
-              <a:t>ouToube</a:t>
+              <a:t>YouToube</a:t>
             </a:r>
             <a:r>
               <a:rPr lang="sr-Latn-RS" dirty="0" smtClean="0"/>
@@ -36420,23 +36271,7 @@
                   <a:schemeClr val="hlink"/>
                 </a:solidFill>
               </a:rPr>
-              <a:t>Internet servisi – </a:t>
-            </a:r>
-            <a:r>
-              <a:rPr lang="sr-Latn-RS" altLang="en-US" sz="3200" dirty="0" smtClean="0">
-                <a:solidFill>
-                  <a:schemeClr val="hlink"/>
-                </a:solidFill>
-              </a:rPr>
-              <a:t>g</a:t>
-            </a:r>
-            <a:r>
-              <a:rPr lang="sr-Latn-RS" altLang="en-US" sz="3200" dirty="0" smtClean="0">
-                <a:solidFill>
-                  <a:schemeClr val="hlink"/>
-                </a:solidFill>
-              </a:rPr>
-              <a:t>eografski </a:t>
+              <a:t>Internet servisi – geografski </a:t>
             </a:r>
             <a:r>
               <a:rPr lang="sr-Latn-RS" altLang="en-US" sz="3200" dirty="0">
@@ -36790,23 +36625,7 @@
                   <a:schemeClr val="hlink"/>
                 </a:solidFill>
               </a:rPr>
-              <a:t>Internet servisi – </a:t>
-            </a:r>
-            <a:r>
-              <a:rPr lang="sr-Latn-RS" altLang="en-US" sz="3200" dirty="0" smtClean="0">
-                <a:solidFill>
-                  <a:schemeClr val="hlink"/>
-                </a:solidFill>
-              </a:rPr>
-              <a:t>e</a:t>
-            </a:r>
-            <a:r>
-              <a:rPr lang="sr-Latn-RS" altLang="en-US" sz="3200" dirty="0" smtClean="0">
-                <a:solidFill>
-                  <a:schemeClr val="hlink"/>
-                </a:solidFill>
-              </a:rPr>
-              <a:t>lektronska </a:t>
+              <a:t>Internet servisi – elektronska </a:t>
             </a:r>
             <a:r>
               <a:rPr lang="sr-Latn-RS" altLang="en-US" sz="3200" dirty="0">
@@ -37183,23 +37002,7 @@
                   <a:schemeClr val="hlink"/>
                 </a:solidFill>
               </a:rPr>
-              <a:t>Internet servisi – </a:t>
-            </a:r>
-            <a:r>
-              <a:rPr lang="sr-Latn-RS" altLang="en-US" sz="3200" dirty="0" smtClean="0">
-                <a:solidFill>
-                  <a:schemeClr val="hlink"/>
-                </a:solidFill>
-              </a:rPr>
-              <a:t>elektronsk</a:t>
-            </a:r>
-            <a:r>
-              <a:rPr lang="sr-Latn-RS" altLang="en-US" sz="3200" dirty="0" smtClean="0">
-                <a:solidFill>
-                  <a:schemeClr val="hlink"/>
-                </a:solidFill>
-              </a:rPr>
-              <a:t>o u</a:t>
+              <a:t>Internet servisi – elektronsko u</a:t>
             </a:r>
             <a:r>
               <a:rPr lang="sr-Latn-RS" altLang="en-US" sz="3200" dirty="0">
@@ -37425,7 +37228,6 @@
               <a:rPr lang="sr-Latn-RS" altLang="en-US" dirty="0" smtClean="0"/>
               <a:t>, itd.</a:t>
             </a:r>
-            <a:endParaRPr lang="sr-Latn-RS" altLang="en-US" dirty="0" smtClean="0"/>
           </a:p>
         </p:txBody>
       </p:sp>
@@ -41697,8 +41499,20 @@
               <a:t>ivanju paketa sa </a:t>
             </a:r>
             <a:r>
-              <a:rPr lang="sr-Latn-RS" altLang="en-US" dirty="0" smtClean="0"/>
-              <a:t>sloja veze podataka na mre</a:t>
+              <a:rPr lang="en-US" altLang="en-US" dirty="0" err="1" smtClean="0"/>
+              <a:t>transportnog</a:t>
+            </a:r>
+            <a:r>
+              <a:rPr lang="en-US" altLang="en-US" dirty="0" smtClean="0"/>
+              <a:t> </a:t>
+            </a:r>
+            <a:r>
+              <a:rPr lang="sr-Latn-RS" altLang="en-US" dirty="0" smtClean="0"/>
+              <a:t>sloja na </a:t>
+            </a:r>
+            <a:r>
+              <a:rPr lang="sr-Latn-RS" altLang="en-US" dirty="0" smtClean="0"/>
+              <a:t>mre</a:t>
             </a:r>
             <a:r>
               <a:rPr lang="sr-Latn-RS" altLang="en-US" dirty="0"/>
@@ -42088,11 +41902,11 @@
             </a:r>
             <a:r>
               <a:rPr lang="sr-Latn-RS" altLang="en-US" dirty="0" smtClean="0"/>
-              <a:t>, tj. oko 4.3 milijarde različitih adresa</a:t>
-            </a:r>
-            <a:r>
-              <a:rPr lang="sr-Latn-RS" altLang="en-US" dirty="0"/>
-              <a:t> IPv4</a:t>
+              <a:t>adresa </a:t>
+            </a:r>
+            <a:r>
+              <a:rPr lang="sr-Latn-RS" altLang="en-US" dirty="0"/>
+              <a:t>IPv4</a:t>
             </a:r>
             <a:r>
               <a:rPr lang="sr-Latn-RS" altLang="en-US" dirty="0" smtClean="0"/>
@@ -42100,23 +41914,15 @@
             </a:r>
             <a:r>
               <a:rPr lang="sr-Latn-RS" altLang="en-US" dirty="0"/>
-              <a:t>se u </a:t>
-            </a:r>
-            <a:r>
-              <a:rPr lang="sr-Latn-RS" altLang="en-US" dirty="0" smtClean="0"/>
-              <a:t>dana</a:t>
-            </a:r>
-            <a:r>
-              <a:rPr lang="sr-Latn-RS" altLang="en-US" dirty="0"/>
-              <a:t>š</a:t>
-            </a:r>
-            <a:r>
-              <a:rPr lang="sr-Latn-RS" altLang="en-US" dirty="0" smtClean="0"/>
-              <a:t>nje </a:t>
-            </a:r>
-            <a:r>
-              <a:rPr lang="sr-Latn-RS" altLang="en-US" dirty="0"/>
-              <a:t>vreme pokazuje kao </a:t>
+              <a:t>se </a:t>
+            </a:r>
+            <a:r>
+              <a:rPr lang="sr-Latn-RS" altLang="en-US" dirty="0" smtClean="0"/>
+              <a:t>pokazuje </a:t>
+            </a:r>
+            <a:r>
+              <a:rPr lang="sr-Latn-RS" altLang="en-US" dirty="0"/>
+              <a:t>kao </a:t>
             </a:r>
             <a:r>
               <a:rPr lang="sr-Latn-RS" altLang="en-US" dirty="0" smtClean="0"/>
@@ -42321,8 +42127,28 @@
             </a:r>
             <a:r>
               <a:rPr lang="sr-Latn-RS" altLang="en-US" dirty="0"/>
-              <a:t>10010011 1011011 01000000 00000010. </a:t>
-            </a:r>
+              <a:t>10010011 1011011 01000000 </a:t>
+            </a:r>
+            <a:r>
+              <a:rPr lang="sr-Latn-RS" altLang="en-US" dirty="0" smtClean="0"/>
+              <a:t>00000010</a:t>
+            </a:r>
+            <a:endParaRPr lang="sr-Latn-RS" altLang="en-US" dirty="0"/>
+          </a:p>
+          <a:p>
+            <a:pPr marL="857250" lvl="1" indent="-457200" eaLnBrk="1" hangingPunct="1"/>
+            <a:r>
+              <a:rPr lang="sr-Latn-RS" altLang="en-US" dirty="0"/>
+              <a:t>Statičke adrese pogodnije za servere, inače pogodnije </a:t>
+            </a:r>
+            <a:r>
+              <a:rPr lang="sr-Latn-RS" altLang="en-US" dirty="0" smtClean="0"/>
+              <a:t>dinamičke</a:t>
+            </a:r>
+            <a:endParaRPr lang="sr-Latn-RS" altLang="en-US" dirty="0"/>
+          </a:p>
+          <a:p>
+            <a:pPr marL="857250" lvl="1" indent="-457200" eaLnBrk="1" hangingPunct="1"/>
             <a:endParaRPr lang="sr-Latn-RS" altLang="en-US" dirty="0" smtClean="0"/>
           </a:p>
         </p:txBody>
@@ -42330,7 +42156,7 @@
     </p:spTree>
     <p:extLst>
       <p:ext uri="{BB962C8B-B14F-4D97-AF65-F5344CB8AC3E}">
-        <p14:creationId xmlns:p14="http://schemas.microsoft.com/office/powerpoint/2010/main" val="1717735506"/>
+        <p14:creationId xmlns:p14="http://schemas.microsoft.com/office/powerpoint/2010/main" val="608764471"/>
       </p:ext>
     </p:extLst>
   </p:cSld>
@@ -42386,6 +42212,14 @@
           <a:p>
             <a:pPr eaLnBrk="1" hangingPunct="1"/>
             <a:r>
+              <a:rPr lang="sr-Latn-RS" altLang="en-US" sz="3200" dirty="0" smtClean="0">
+                <a:solidFill>
+                  <a:schemeClr val="hlink"/>
+                </a:solidFill>
+              </a:rPr>
+              <a:t>Hijerarhijska struktura </a:t>
+            </a:r>
+            <a:r>
               <a:rPr lang="sv-SE" altLang="en-US" sz="3200" dirty="0" smtClean="0">
                 <a:solidFill>
                   <a:schemeClr val="hlink"/>
@@ -42399,7 +42233,7 @@
                   <a:schemeClr val="hlink"/>
                 </a:solidFill>
               </a:rPr>
-              <a:t> adrese (2)</a:t>
+              <a:t> adresa</a:t>
             </a:r>
             <a:endParaRPr lang="en-US" altLang="en-US" b="1" dirty="0" smtClean="0"/>
           </a:p>
@@ -42427,44 +42261,129 @@
           <a:p>
             <a:pPr marL="857250" lvl="1" indent="-457200" eaLnBrk="1" hangingPunct="1"/>
             <a:r>
-              <a:rPr lang="sr-Latn-RS" altLang="en-US" dirty="0" smtClean="0"/>
-              <a:t>Statičke </a:t>
-            </a:r>
-            <a:r>
-              <a:rPr lang="sr-Latn-RS" altLang="en-US" dirty="0"/>
-              <a:t>adrese pogodnije za servere, </a:t>
-            </a:r>
-            <a:r>
-              <a:rPr lang="sr-Latn-RS" altLang="en-US" dirty="0" smtClean="0"/>
-              <a:t>inače </a:t>
-            </a:r>
-            <a:r>
-              <a:rPr lang="sr-Latn-RS" altLang="en-US" dirty="0"/>
-              <a:t>pogodnije </a:t>
-            </a:r>
-            <a:r>
-              <a:rPr lang="sr-Latn-RS" altLang="en-US" dirty="0" smtClean="0"/>
-              <a:t>dinamičke (</a:t>
-            </a:r>
-            <a:r>
-              <a:rPr lang="sr-Latn-RS" altLang="en-US" dirty="0"/>
-              <a:t>smanjuju </a:t>
-            </a:r>
-            <a:r>
-              <a:rPr lang="sr-Latn-RS" altLang="en-US" dirty="0" smtClean="0"/>
-              <a:t>mogućnost gre</a:t>
-            </a:r>
+              <a:rPr lang="sr-Latn-RS" altLang="en-US" dirty="0"/>
+              <a:t>IP adrese su strukturirane </a:t>
+            </a:r>
+            <a:r>
+              <a:rPr lang="sr-Latn-RS" altLang="en-US" dirty="0">
+                <a:solidFill>
+                  <a:schemeClr val="accent1">
+                    <a:lumMod val="50000"/>
+                  </a:schemeClr>
+                </a:solidFill>
+              </a:rPr>
+              <a:t>hijerarhijski</a:t>
+            </a:r>
+            <a:r>
+              <a:rPr lang="sr-Latn-RS" altLang="en-US" dirty="0"/>
+              <a:t>: adresa se deli na bitove </a:t>
+            </a:r>
+            <a:r>
+              <a:rPr lang="sr-Latn-RS" altLang="en-US" dirty="0" smtClean="0"/>
+              <a:t>koji adresiraju mre</a:t>
+            </a:r>
+            <a:r>
+              <a:rPr lang="sr-Latn-RS" altLang="en-US" dirty="0"/>
+              <a:t>ž</a:t>
+            </a:r>
+            <a:r>
+              <a:rPr lang="sr-Latn-RS" altLang="en-US" dirty="0" smtClean="0"/>
+              <a:t>u </a:t>
+            </a:r>
+            <a:r>
+              <a:rPr lang="sr-Latn-RS" altLang="en-US" dirty="0"/>
+              <a:t>(</a:t>
+            </a:r>
+            <a:r>
+              <a:rPr lang="sr-Latn-RS" altLang="en-US" dirty="0" smtClean="0"/>
+              <a:t>vode</a:t>
+            </a:r>
+            <a:r>
+              <a:rPr lang="sr-Latn-RS" altLang="en-US" dirty="0"/>
+              <a:t>ć</a:t>
+            </a:r>
+            <a:r>
+              <a:rPr lang="sr-Latn-RS" altLang="en-US" dirty="0" smtClean="0"/>
+              <a:t>i</a:t>
+            </a:r>
+            <a:r>
+              <a:rPr lang="sr-Latn-RS" altLang="en-US" dirty="0"/>
+              <a:t>) i bitove koji adresiraju </a:t>
+            </a:r>
+            <a:r>
+              <a:rPr lang="sr-Latn-RS" altLang="en-US" dirty="0" smtClean="0"/>
+              <a:t>uređ</a:t>
+            </a:r>
+            <a:r>
+              <a:rPr lang="sr-Latn-RS" altLang="en-US" dirty="0"/>
+              <a:t>aj u okviru </a:t>
+            </a:r>
+            <a:r>
+              <a:rPr lang="sr-Latn-RS" altLang="en-US" dirty="0" smtClean="0"/>
+              <a:t>mre</a:t>
+            </a:r>
+            <a:r>
+              <a:rPr lang="sr-Latn-RS" altLang="en-US" dirty="0"/>
+              <a:t>ž</a:t>
+            </a:r>
+            <a:r>
+              <a:rPr lang="sr-Latn-RS" altLang="en-US" dirty="0" smtClean="0"/>
+              <a:t>e</a:t>
+            </a:r>
+            <a:endParaRPr lang="sr-Latn-RS" altLang="en-US" dirty="0"/>
+          </a:p>
+          <a:p>
+            <a:pPr marL="857250" lvl="1" indent="-457200" eaLnBrk="1" hangingPunct="1"/>
+            <a:r>
+              <a:rPr lang="sr-Latn-RS" altLang="en-US" dirty="0"/>
+              <a:t>Paket se dostavlja:</a:t>
+            </a:r>
+          </a:p>
+          <a:p>
+            <a:pPr marL="1257300" lvl="2" indent="-457200" eaLnBrk="1" hangingPunct="1"/>
+            <a:r>
+              <a:rPr lang="sr-Latn-RS" altLang="en-US" dirty="0" smtClean="0"/>
+              <a:t>korišćenjem </a:t>
+            </a:r>
+            <a:r>
+              <a:rPr lang="sr-Latn-RS" altLang="en-US" dirty="0"/>
+              <a:t>lokalnog </a:t>
+            </a:r>
+            <a:r>
+              <a:rPr lang="sr-Latn-RS" altLang="en-US" dirty="0" smtClean="0"/>
+              <a:t>mre</a:t>
+            </a:r>
+            <a:r>
+              <a:rPr lang="sr-Latn-RS" altLang="en-US" dirty="0"/>
+              <a:t>ž</a:t>
+            </a:r>
+            <a:r>
+              <a:rPr lang="sr-Latn-RS" altLang="en-US" dirty="0" smtClean="0"/>
+              <a:t>nog saobra</a:t>
+            </a:r>
+            <a:r>
+              <a:rPr lang="sr-Latn-RS" altLang="en-US" dirty="0"/>
+              <a:t>ć</a:t>
+            </a:r>
+            <a:r>
+              <a:rPr lang="sr-Latn-RS" altLang="en-US" dirty="0" smtClean="0"/>
+              <a:t>aja</a:t>
+            </a:r>
+            <a:endParaRPr lang="sr-Latn-RS" altLang="en-US" dirty="0"/>
+          </a:p>
+          <a:p>
+            <a:pPr marL="1257300" lvl="2" indent="-457200" eaLnBrk="1" hangingPunct="1"/>
             <a:r>
               <a:rPr lang="sr-Latn-RS" altLang="en-US" dirty="0"/>
               <a:t>š</a:t>
             </a:r>
             <a:r>
               <a:rPr lang="sr-Latn-RS" altLang="en-US" dirty="0" smtClean="0"/>
-              <a:t>ke</a:t>
-            </a:r>
-            <a:r>
-              <a:rPr lang="sr-Latn-RS" altLang="en-US" dirty="0"/>
-              <a:t>, jednostavnije administriranje </a:t>
+              <a:t>alje </a:t>
+            </a:r>
+            <a:r>
+              <a:rPr lang="sr-Latn-RS" altLang="en-US" dirty="0"/>
+              <a:t>se van </a:t>
             </a:r>
             <a:r>
               <a:rPr lang="sr-Latn-RS" altLang="en-US" dirty="0" smtClean="0"/>
@@ -42476,7 +42395,59 @@
             </a:r>
             <a:r>
               <a:rPr lang="sr-Latn-RS" altLang="en-US" dirty="0" smtClean="0"/>
-              <a:t>e</a:t>
+              <a:t>e </a:t>
+            </a:r>
+            <a:r>
+              <a:rPr lang="sr-Latn-RS" altLang="en-US" dirty="0"/>
+              <a:t>"u </a:t>
+            </a:r>
+            <a:r>
+              <a:rPr lang="sr-Latn-RS" altLang="en-US" dirty="0" smtClean="0"/>
+              <a:t>svet“ - </a:t>
+            </a:r>
+            <a:r>
+              <a:rPr lang="sr-Latn-RS" altLang="en-US" dirty="0"/>
+              <a:t>preko </a:t>
+            </a:r>
+            <a:r>
+              <a:rPr lang="sr-Latn-RS" altLang="en-US" dirty="0" smtClean="0"/>
+              <a:t>određ</a:t>
+            </a:r>
+            <a:r>
+              <a:rPr lang="sr-Latn-RS" altLang="en-US" dirty="0"/>
+              <a:t>enog rutera koji se </a:t>
+            </a:r>
+            <a:r>
+              <a:rPr lang="sr-Latn-RS" altLang="en-US" dirty="0" smtClean="0"/>
+              <a:t>naziva </a:t>
+            </a:r>
+            <a:r>
+              <a:rPr lang="sr-Latn-RS" altLang="en-US" dirty="0" smtClean="0">
+                <a:solidFill>
+                  <a:schemeClr val="accent1">
+                    <a:lumMod val="50000"/>
+                  </a:schemeClr>
+                </a:solidFill>
+              </a:rPr>
+              <a:t>izlazna </a:t>
+            </a:r>
+            <a:r>
+              <a:rPr lang="sr-Latn-RS" altLang="en-US" dirty="0">
+                <a:solidFill>
+                  <a:schemeClr val="accent1">
+                    <a:lumMod val="50000"/>
+                  </a:schemeClr>
+                </a:solidFill>
+              </a:rPr>
+              <a:t>kapija </a:t>
+            </a:r>
+            <a:r>
+              <a:rPr lang="sr-Latn-RS" altLang="en-US" dirty="0" smtClean="0"/>
+              <a:t>(</a:t>
+            </a:r>
+            <a:r>
+              <a:rPr lang="sr-Latn-RS" altLang="en-US" dirty="0" err="1"/>
+              <a:t>gateway</a:t>
             </a:r>
             <a:r>
               <a:rPr lang="sr-Latn-RS" altLang="en-US" dirty="0"/>
@@ -42486,304 +42457,100 @@
           <a:p>
             <a:pPr marL="857250" lvl="1" indent="-457200" eaLnBrk="1" hangingPunct="1"/>
             <a:r>
-              <a:rPr lang="sr-Latn-RS" altLang="en-US" dirty="0" smtClean="0"/>
-              <a:t>Ranije su IP </a:t>
-            </a:r>
-            <a:r>
-              <a:rPr lang="sr-Latn-RS" altLang="en-US" dirty="0"/>
-              <a:t>adrese </a:t>
-            </a:r>
-            <a:r>
-              <a:rPr lang="sr-Latn-RS" altLang="en-US" dirty="0" smtClean="0"/>
-              <a:t>bile </a:t>
-            </a:r>
-            <a:r>
-              <a:rPr lang="sr-Latn-RS" altLang="en-US" dirty="0"/>
-              <a:t>deljene na klase (A, B, C, D, E) i svaka klasa je definisala broj </a:t>
-            </a:r>
-            <a:r>
-              <a:rPr lang="sr-Latn-RS" altLang="en-US" dirty="0" smtClean="0"/>
-              <a:t>bita za </a:t>
-            </a:r>
-            <a:r>
-              <a:rPr lang="sr-Latn-RS" altLang="en-US" dirty="0"/>
-              <a:t>prvi i broj bita za drugi deo deo IP </a:t>
-            </a:r>
-            <a:r>
-              <a:rPr lang="sr-Latn-RS" altLang="en-US" dirty="0" smtClean="0"/>
-              <a:t>adrese. </a:t>
+              <a:rPr lang="sr-Latn-RS" altLang="en-US" dirty="0"/>
+              <a:t>Svi </a:t>
+            </a:r>
+            <a:r>
+              <a:rPr lang="sr-Latn-RS" altLang="en-US" dirty="0" smtClean="0"/>
+              <a:t>uređ</a:t>
+            </a:r>
+            <a:r>
+              <a:rPr lang="sr-Latn-RS" altLang="en-US" dirty="0"/>
+              <a:t>aji iz iste </a:t>
+            </a:r>
+            <a:r>
+              <a:rPr lang="sr-Latn-RS" altLang="en-US" dirty="0" smtClean="0"/>
+              <a:t>mre</a:t>
+            </a:r>
+            <a:r>
+              <a:rPr lang="sr-Latn-RS" altLang="en-US" dirty="0"/>
+              <a:t>ž</a:t>
+            </a:r>
+            <a:r>
+              <a:rPr lang="sr-Latn-RS" altLang="en-US" dirty="0" smtClean="0"/>
+              <a:t>e </a:t>
+            </a:r>
+            <a:r>
+              <a:rPr lang="sr-Latn-RS" altLang="en-US" dirty="0"/>
+              <a:t>dele </a:t>
+            </a:r>
+            <a:r>
+              <a:rPr lang="sr-Latn-RS" altLang="en-US" dirty="0" smtClean="0"/>
+              <a:t>zajedni</a:t>
+            </a:r>
+            <a:r>
+              <a:rPr lang="sr-Latn-RS" altLang="en-US" dirty="0"/>
+              <a:t>č</a:t>
+            </a:r>
+            <a:r>
+              <a:rPr lang="sr-Latn-RS" altLang="en-US" dirty="0" smtClean="0"/>
+              <a:t>ki po</a:t>
+            </a:r>
+            <a:r>
+              <a:rPr lang="sr-Latn-RS" altLang="en-US" dirty="0"/>
+              <a:t>č</a:t>
+            </a:r>
+            <a:r>
+              <a:rPr lang="sr-Latn-RS" altLang="en-US" dirty="0" smtClean="0"/>
+              <a:t>etak </a:t>
+            </a:r>
+            <a:r>
+              <a:rPr lang="sr-Latn-RS" altLang="en-US" dirty="0"/>
+              <a:t>IP adrese</a:t>
             </a:r>
           </a:p>
           <a:p>
             <a:pPr marL="1257300" lvl="2" indent="-457200" eaLnBrk="1" hangingPunct="1"/>
             <a:r>
-              <a:rPr lang="sr-Latn-RS" altLang="en-US" dirty="0" smtClean="0"/>
-              <a:t>Adrese klase A (</a:t>
-            </a:r>
-            <a:r>
-              <a:rPr lang="pl-PL" altLang="en-US" dirty="0" err="1" smtClean="0"/>
-              <a:t>prvi</a:t>
-            </a:r>
-            <a:r>
-              <a:rPr lang="pl-PL" altLang="en-US" dirty="0" smtClean="0"/>
-              <a:t> </a:t>
-            </a:r>
-            <a:r>
-              <a:rPr lang="pl-PL" altLang="en-US" dirty="0"/>
-              <a:t>bit u zapisu je 0 </a:t>
-            </a:r>
-            <a:r>
-              <a:rPr lang="pl-PL" altLang="en-US" dirty="0" smtClean="0"/>
-              <a:t>- </a:t>
-            </a:r>
-            <a:r>
-              <a:rPr lang="pl-PL" altLang="en-US" dirty="0" err="1" smtClean="0"/>
-              <a:t>izmeđ</a:t>
-            </a:r>
-            <a:r>
-              <a:rPr lang="pl-PL" altLang="en-US" dirty="0" err="1"/>
-              <a:t>u</a:t>
-            </a:r>
-            <a:r>
-              <a:rPr lang="pl-PL" altLang="en-US" dirty="0"/>
-              <a:t> 0.0.0.0 </a:t>
-            </a:r>
-            <a:r>
-              <a:rPr lang="pl-PL" altLang="en-US" dirty="0" smtClean="0"/>
-              <a:t>i 27.255.255.255) </a:t>
-            </a:r>
-            <a:r>
-              <a:rPr lang="sr-Latn-RS" altLang="en-US" dirty="0" smtClean="0"/>
-              <a:t>su bile dodeljivane jako velikim mrežama (8+24 bita - 128 mreža sa mogućih preko 16.7 miliona korisnika) </a:t>
-            </a:r>
-          </a:p>
-          <a:p>
-            <a:pPr marL="1257300" lvl="2" indent="-457200" eaLnBrk="1" hangingPunct="1"/>
-            <a:r>
-              <a:rPr lang="sr-Latn-RS" altLang="en-US" dirty="0" smtClean="0"/>
-              <a:t>Adrese </a:t>
-            </a:r>
-            <a:r>
-              <a:rPr lang="sr-Latn-RS" altLang="en-US" dirty="0"/>
-              <a:t>klase B </a:t>
-            </a:r>
-            <a:r>
-              <a:rPr lang="sr-Latn-RS" altLang="en-US" dirty="0" smtClean="0"/>
-              <a:t>(počinje </a:t>
-            </a:r>
-            <a:r>
-              <a:rPr lang="sr-Latn-RS" altLang="en-US" dirty="0"/>
-              <a:t>sa 10 </a:t>
-            </a:r>
-            <a:r>
-              <a:rPr lang="sr-Latn-RS" altLang="en-US" dirty="0" smtClean="0"/>
-              <a:t>- između </a:t>
-            </a:r>
-            <a:r>
-              <a:rPr lang="sr-Latn-RS" altLang="en-US" dirty="0"/>
-              <a:t>128.0.0.0 </a:t>
-            </a:r>
-            <a:r>
-              <a:rPr lang="sr-Latn-RS" altLang="en-US" dirty="0" smtClean="0"/>
-              <a:t>i 191.255.255.255) </a:t>
-            </a:r>
-            <a:r>
-              <a:rPr lang="sr-Latn-RS" altLang="en-US" dirty="0"/>
-              <a:t>su bile </a:t>
-            </a:r>
-            <a:r>
-              <a:rPr lang="sr-Latn-RS" altLang="en-US" dirty="0" smtClean="0"/>
-              <a:t>dodeljivane </a:t>
-            </a:r>
-            <a:r>
-              <a:rPr lang="sr-Latn-RS" altLang="en-US" dirty="0"/>
-              <a:t>srednjim </a:t>
-            </a:r>
-            <a:r>
-              <a:rPr lang="sr-Latn-RS" altLang="en-US" dirty="0" smtClean="0"/>
-              <a:t>mre</a:t>
-            </a:r>
-            <a:r>
-              <a:rPr lang="sr-Latn-RS" altLang="en-US" dirty="0"/>
-              <a:t>ž</a:t>
-            </a:r>
-            <a:r>
-              <a:rPr lang="sr-Latn-RS" altLang="en-US" dirty="0" smtClean="0"/>
-              <a:t>ama </a:t>
-            </a:r>
-            <a:r>
-              <a:rPr lang="sr-Latn-RS" altLang="en-US" dirty="0"/>
-              <a:t>(16+16 </a:t>
-            </a:r>
-            <a:r>
-              <a:rPr lang="sr-Latn-RS" altLang="en-US" dirty="0" smtClean="0"/>
-              <a:t>bita - preko 16 </a:t>
-            </a:r>
-            <a:r>
-              <a:rPr lang="sr-Latn-RS" altLang="en-US" dirty="0"/>
-              <a:t>hiljada </a:t>
-            </a:r>
-            <a:r>
-              <a:rPr lang="sr-Latn-RS" altLang="en-US" dirty="0" smtClean="0"/>
-              <a:t>mre</a:t>
-            </a:r>
-            <a:r>
-              <a:rPr lang="sr-Latn-RS" altLang="en-US" dirty="0"/>
-              <a:t>ž</a:t>
-            </a:r>
-            <a:r>
-              <a:rPr lang="sr-Latn-RS" altLang="en-US" dirty="0" smtClean="0"/>
-              <a:t>a </a:t>
-            </a:r>
-            <a:r>
-              <a:rPr lang="sr-Latn-RS" altLang="en-US" dirty="0"/>
-              <a:t>sa </a:t>
-            </a:r>
-            <a:r>
-              <a:rPr lang="sr-Latn-RS" altLang="en-US" dirty="0" smtClean="0"/>
-              <a:t>mogućih </a:t>
-            </a:r>
-            <a:r>
-              <a:rPr lang="sr-Latn-RS" altLang="en-US" dirty="0"/>
-              <a:t>65536 korisnika</a:t>
-            </a:r>
-            <a:r>
-              <a:rPr lang="sr-Latn-RS" altLang="en-US" dirty="0" smtClean="0"/>
-              <a:t>) </a:t>
-            </a:r>
-          </a:p>
-          <a:p>
-            <a:pPr marL="1257300" lvl="2" indent="-457200" eaLnBrk="1" hangingPunct="1"/>
-            <a:r>
-              <a:rPr lang="sr-Latn-RS" altLang="en-US" dirty="0" smtClean="0"/>
-              <a:t>Adrese </a:t>
-            </a:r>
-            <a:r>
-              <a:rPr lang="sr-Latn-RS" altLang="en-US" dirty="0"/>
-              <a:t>klase C (</a:t>
-            </a:r>
-            <a:r>
-              <a:rPr lang="sr-Latn-RS" altLang="en-US" dirty="0" err="1" smtClean="0"/>
-              <a:t>poćinje</a:t>
-            </a:r>
-            <a:r>
-              <a:rPr lang="sr-Latn-RS" altLang="en-US" dirty="0" smtClean="0"/>
-              <a:t> </a:t>
-            </a:r>
-            <a:r>
-              <a:rPr lang="sr-Latn-RS" altLang="en-US" dirty="0"/>
-              <a:t>sa 110 </a:t>
-            </a:r>
-            <a:r>
-              <a:rPr lang="sr-Latn-RS" altLang="en-US" dirty="0" smtClean="0"/>
-              <a:t>- izmeđ</a:t>
-            </a:r>
-            <a:r>
-              <a:rPr lang="sr-Latn-RS" altLang="en-US" dirty="0"/>
-              <a:t>u 192.0.0.0 </a:t>
-            </a:r>
-            <a:r>
-              <a:rPr lang="sr-Latn-RS" altLang="en-US" dirty="0" smtClean="0"/>
-              <a:t>i 223.255.255.255) su </a:t>
-            </a:r>
-            <a:r>
-              <a:rPr lang="sr-Latn-RS" altLang="en-US" dirty="0"/>
-              <a:t>bile </a:t>
-            </a:r>
-            <a:r>
-              <a:rPr lang="sr-Latn-RS" altLang="en-US" dirty="0" smtClean="0"/>
-              <a:t>dodeljivane malim mrežama </a:t>
-            </a:r>
-            <a:r>
-              <a:rPr lang="sr-Latn-RS" altLang="en-US" dirty="0"/>
-              <a:t>(24+8 bita </a:t>
-            </a:r>
-            <a:r>
-              <a:rPr lang="sr-Latn-RS" altLang="en-US" dirty="0" smtClean="0"/>
-              <a:t>- </a:t>
-            </a:r>
-            <a:r>
-              <a:rPr lang="sr-Latn-RS" altLang="en-US" dirty="0"/>
-              <a:t>preko dva miliona </a:t>
-            </a:r>
-            <a:r>
-              <a:rPr lang="sr-Latn-RS" altLang="en-US" dirty="0" smtClean="0"/>
-              <a:t>mreža </a:t>
-            </a:r>
-            <a:r>
-              <a:rPr lang="sr-Latn-RS" altLang="en-US" dirty="0"/>
-              <a:t>sa </a:t>
-            </a:r>
-            <a:r>
-              <a:rPr lang="sr-Latn-RS" altLang="en-US" dirty="0" smtClean="0"/>
-              <a:t>mogućih </a:t>
-            </a:r>
-            <a:r>
-              <a:rPr lang="sr-Latn-RS" altLang="en-US" dirty="0"/>
-              <a:t>256 korisnika).</a:t>
-            </a:r>
-          </a:p>
-          <a:p>
-            <a:pPr marL="857250" lvl="1" indent="-457200" eaLnBrk="1" hangingPunct="1"/>
-            <a:r>
-              <a:rPr lang="sr-Latn-RS" altLang="en-US" dirty="0"/>
-              <a:t>Vremenom se pokazalo da ovakva organizacija nije skalabilna </a:t>
+              <a:rPr lang="sr-Latn-RS" altLang="en-US" dirty="0"/>
+              <a:t>Primer: od </a:t>
+            </a:r>
+            <a:r>
+              <a:rPr lang="sr-Latn-RS" altLang="en-US" dirty="0" smtClean="0"/>
+              <a:t>147.91.67.0 </a:t>
+            </a:r>
+            <a:r>
+              <a:rPr lang="sr-Latn-RS" altLang="en-US" dirty="0"/>
+              <a:t>do 147.91.67</a:t>
+            </a:r>
+            <a:r>
+              <a:rPr lang="sr-Latn-RS" altLang="en-US" dirty="0" smtClean="0"/>
+              <a:t>.255 - </a:t>
+            </a:r>
+            <a:r>
+              <a:rPr lang="sr-Latn-RS" altLang="en-US" dirty="0"/>
+              <a:t>ista prva 24 bita</a:t>
+            </a:r>
+            <a:r>
+              <a:rPr lang="sr-Latn-RS" altLang="en-US" dirty="0" smtClean="0"/>
+              <a:t>, razlikuju </a:t>
+            </a:r>
+            <a:r>
+              <a:rPr lang="sr-Latn-RS" altLang="en-US" dirty="0"/>
+              <a:t>se poslednjih </a:t>
+            </a:r>
+            <a:r>
+              <a:rPr lang="sr-Latn-RS" altLang="en-US" dirty="0" smtClean="0"/>
+              <a:t>8</a:t>
             </a:r>
             <a:endParaRPr lang="sr-Latn-RS" altLang="en-US" dirty="0" smtClean="0"/>
-          </a:p>
-          <a:p>
-            <a:pPr marL="1257300" lvl="2" indent="-457200" eaLnBrk="1" hangingPunct="1"/>
-            <a:r>
-              <a:rPr lang="sr-Latn-RS" altLang="en-US" dirty="0" smtClean="0"/>
-              <a:t>Obično </a:t>
-            </a:r>
-            <a:r>
-              <a:rPr lang="sr-Latn-RS" altLang="en-US" dirty="0"/>
-              <a:t>su </a:t>
-            </a:r>
-            <a:r>
-              <a:rPr lang="sr-Latn-RS" altLang="en-US" dirty="0" smtClean="0"/>
-              <a:t>mreže kompanija </a:t>
-            </a:r>
-            <a:r>
-              <a:rPr lang="sr-Latn-RS" altLang="en-US" dirty="0"/>
-              <a:t>imale potrebu za </a:t>
-            </a:r>
-            <a:r>
-              <a:rPr lang="sr-Latn-RS" altLang="en-US" dirty="0" smtClean="0"/>
-              <a:t>više </a:t>
-            </a:r>
-            <a:r>
-              <a:rPr lang="sr-Latn-RS" altLang="en-US" dirty="0"/>
-              <a:t>od 256 uredaja, tako su uzimale adrese </a:t>
-            </a:r>
-            <a:r>
-              <a:rPr lang="sr-Latn-RS" altLang="en-US" dirty="0" smtClean="0"/>
-              <a:t>klase B</a:t>
-            </a:r>
-            <a:r>
-              <a:rPr lang="sr-Latn-RS" altLang="en-US" dirty="0"/>
-              <a:t>, </a:t>
-            </a:r>
-            <a:r>
-              <a:rPr lang="sr-Latn-RS" altLang="en-US" dirty="0" smtClean="0"/>
-              <a:t>pa </a:t>
-            </a:r>
-            <a:r>
-              <a:rPr lang="sr-Latn-RS" altLang="en-US" dirty="0"/>
-              <a:t>je veliki broj adresa ostajao </a:t>
-            </a:r>
-            <a:r>
-              <a:rPr lang="sr-Latn-RS" altLang="en-US" dirty="0" smtClean="0"/>
-              <a:t>nedodeljen</a:t>
-            </a:r>
           </a:p>
         </p:txBody>
       </p:sp>
     </p:spTree>
     <p:extLst>
       <p:ext uri="{BB962C8B-B14F-4D97-AF65-F5344CB8AC3E}">
-        <p14:creationId xmlns:p14="http://schemas.microsoft.com/office/powerpoint/2010/main" val="2274045906"/>
+        <p14:creationId xmlns:p14="http://schemas.microsoft.com/office/powerpoint/2010/main" val="3506013985"/>
       </p:ext>
     </p:extLst>
   </p:cSld>
@@ -42839,20 +42606,44 @@
           <a:p>
             <a:pPr eaLnBrk="1" hangingPunct="1"/>
             <a:r>
-              <a:rPr lang="sv-SE" altLang="en-US" sz="3200" dirty="0" smtClean="0">
+              <a:rPr lang="sr-Latn-RS" altLang="en-US" sz="3200" dirty="0">
                 <a:solidFill>
                   <a:schemeClr val="hlink"/>
                 </a:solidFill>
               </a:rPr>
+              <a:t>Hijerarhijska struktura </a:t>
+            </a:r>
+            <a:r>
+              <a:rPr lang="sv-SE" altLang="en-US" sz="3200" dirty="0">
+                <a:solidFill>
+                  <a:schemeClr val="hlink"/>
+                </a:solidFill>
+              </a:rPr>
               <a:t>IP</a:t>
             </a:r>
             <a:r>
+              <a:rPr lang="sr-Latn-RS" altLang="en-US" sz="3200" dirty="0">
+                <a:solidFill>
+                  <a:schemeClr val="hlink"/>
+                </a:solidFill>
+              </a:rPr>
+              <a:t> </a:t>
+            </a:r>
+            <a:r>
               <a:rPr lang="sr-Latn-RS" altLang="en-US" sz="3200" dirty="0" smtClean="0">
                 <a:solidFill>
                   <a:schemeClr val="hlink"/>
                 </a:solidFill>
               </a:rPr>
-              <a:t> adrese i DHCP</a:t>
+              <a:t>adresa (3</a:t>
+            </a:r>
+            <a:r>
+              <a:rPr lang="sr-Latn-RS" altLang="en-US" sz="3200" dirty="0" smtClean="0">
+                <a:solidFill>
+                  <a:schemeClr val="hlink"/>
+                </a:solidFill>
+              </a:rPr>
+              <a:t>)</a:t>
             </a:r>
             <a:endParaRPr lang="en-US" altLang="en-US" b="1" dirty="0" smtClean="0"/>
           </a:p>
@@ -42881,55 +42672,169 @@
             <a:pPr marL="857250" lvl="1" indent="-457200" eaLnBrk="1" hangingPunct="1"/>
             <a:r>
               <a:rPr lang="sr-Latn-RS" altLang="en-US" dirty="0" smtClean="0"/>
-              <a:t>Dinamičke </a:t>
-            </a:r>
-            <a:r>
-              <a:rPr lang="sr-Latn-RS" altLang="en-US" dirty="0"/>
-              <a:t>IP </a:t>
-            </a:r>
-            <a:r>
-              <a:rPr lang="sr-Latn-RS" altLang="en-US" dirty="0" smtClean="0"/>
-              <a:t>adrese se </a:t>
-            </a:r>
-            <a:r>
-              <a:rPr lang="sr-Latn-RS" altLang="en-US" dirty="0"/>
-              <a:t>dodeljuju </a:t>
-            </a:r>
-            <a:r>
-              <a:rPr lang="sr-Latn-RS" altLang="en-US" dirty="0" smtClean="0"/>
-              <a:t>korišćenjem </a:t>
-            </a:r>
-            <a:r>
-              <a:rPr lang="sr-Latn-RS" altLang="en-US" dirty="0"/>
-              <a:t>specijalizovanog protokola za </a:t>
-            </a:r>
-            <a:r>
-              <a:rPr lang="sr-Latn-RS" altLang="en-US" dirty="0" smtClean="0"/>
-              <a:t>dinami</a:t>
-            </a:r>
-            <a:r>
-              <a:rPr lang="sr-Latn-RS" altLang="en-US" dirty="0"/>
-              <a:t>č</a:t>
-            </a:r>
-            <a:r>
-              <a:rPr lang="sr-Latn-RS" altLang="en-US" dirty="0" smtClean="0"/>
-              <a:t>ku konfiguraciju (Dynamic </a:t>
-            </a:r>
-            <a:r>
-              <a:rPr lang="sr-Latn-RS" altLang="en-US" dirty="0"/>
-              <a:t>Host Configuration Protocol </a:t>
-            </a:r>
-            <a:r>
-              <a:rPr lang="sr-Latn-RS" altLang="en-US" dirty="0" smtClean="0"/>
+              <a:t>Ranije </a:t>
+            </a:r>
+            <a:r>
+              <a:rPr lang="sr-Latn-RS" altLang="en-US" dirty="0" smtClean="0"/>
+              <a:t>su IP </a:t>
+            </a:r>
+            <a:r>
+              <a:rPr lang="sr-Latn-RS" altLang="en-US" dirty="0"/>
+              <a:t>adrese </a:t>
+            </a:r>
+            <a:r>
+              <a:rPr lang="sr-Latn-RS" altLang="en-US" dirty="0" smtClean="0"/>
+              <a:t>bile </a:t>
+            </a:r>
+            <a:r>
+              <a:rPr lang="sr-Latn-RS" altLang="en-US" dirty="0"/>
+              <a:t>deljene na klase (A, B, C, D, E) i svaka klasa je definisala broj </a:t>
+            </a:r>
+            <a:r>
+              <a:rPr lang="sr-Latn-RS" altLang="en-US" dirty="0" smtClean="0"/>
+              <a:t>bita za </a:t>
+            </a:r>
+            <a:r>
+              <a:rPr lang="sr-Latn-RS" altLang="en-US" dirty="0"/>
+              <a:t>prvi i broj bita za drugi deo deo IP </a:t>
+            </a:r>
+            <a:r>
+              <a:rPr lang="sr-Latn-RS" altLang="en-US" dirty="0" smtClean="0"/>
+              <a:t>adrese. </a:t>
+            </a:r>
+          </a:p>
+          <a:p>
+            <a:pPr marL="1257300" lvl="2" indent="-457200" eaLnBrk="1" hangingPunct="1"/>
+            <a:r>
+              <a:rPr lang="sr-Latn-RS" altLang="en-US" dirty="0" smtClean="0"/>
+              <a:t>Adrese klase A (</a:t>
+            </a:r>
+            <a:r>
+              <a:rPr lang="pl-PL" altLang="en-US" dirty="0" err="1" smtClean="0"/>
+              <a:t>prvi</a:t>
+            </a:r>
+            <a:r>
+              <a:rPr lang="pl-PL" altLang="en-US" dirty="0" smtClean="0"/>
+              <a:t> </a:t>
+            </a:r>
+            <a:r>
+              <a:rPr lang="pl-PL" altLang="en-US" dirty="0"/>
+              <a:t>bit u zapisu je 0 </a:t>
+            </a:r>
+            <a:r>
+              <a:rPr lang="pl-PL" altLang="en-US" dirty="0" smtClean="0"/>
               <a:t>- </a:t>
             </a:r>
             <a:r>
-              <a:rPr lang="sr-Latn-RS" altLang="en-US" dirty="0">
-                <a:solidFill>
-                  <a:srgbClr val="002060"/>
-                </a:solidFill>
-              </a:rPr>
-              <a:t>DHCP</a:t>
+              <a:rPr lang="pl-PL" altLang="en-US" dirty="0" err="1" smtClean="0"/>
+              <a:t>izmeđ</a:t>
+            </a:r>
+            <a:r>
+              <a:rPr lang="pl-PL" altLang="en-US" dirty="0" err="1"/>
+              <a:t>u</a:t>
+            </a:r>
+            <a:r>
+              <a:rPr lang="pl-PL" altLang="en-US" dirty="0"/>
+              <a:t> 0.0.0.0 </a:t>
+            </a:r>
+            <a:r>
+              <a:rPr lang="pl-PL" altLang="en-US" dirty="0" smtClean="0"/>
+              <a:t>i 27.255.255.255) </a:t>
+            </a:r>
+            <a:r>
+              <a:rPr lang="sr-Latn-RS" altLang="en-US" dirty="0" smtClean="0"/>
+              <a:t>su bile dodeljivane jako velikim mrežama (8+24 bita - 128 mreža sa mogućih preko 16.7 miliona korisnika) </a:t>
+            </a:r>
+          </a:p>
+          <a:p>
+            <a:pPr marL="1257300" lvl="2" indent="-457200" eaLnBrk="1" hangingPunct="1"/>
+            <a:r>
+              <a:rPr lang="sr-Latn-RS" altLang="en-US" dirty="0" smtClean="0"/>
+              <a:t>Adrese </a:t>
+            </a:r>
+            <a:r>
+              <a:rPr lang="sr-Latn-RS" altLang="en-US" dirty="0"/>
+              <a:t>klase B </a:t>
+            </a:r>
+            <a:r>
+              <a:rPr lang="sr-Latn-RS" altLang="en-US" dirty="0" smtClean="0"/>
+              <a:t>(počinje </a:t>
+            </a:r>
+            <a:r>
+              <a:rPr lang="sr-Latn-RS" altLang="en-US" dirty="0"/>
+              <a:t>sa 10 </a:t>
+            </a:r>
+            <a:r>
+              <a:rPr lang="sr-Latn-RS" altLang="en-US" dirty="0" smtClean="0"/>
+              <a:t>- između </a:t>
+            </a:r>
+            <a:r>
+              <a:rPr lang="sr-Latn-RS" altLang="en-US" dirty="0"/>
+              <a:t>128.0.0.0 </a:t>
+            </a:r>
+            <a:r>
+              <a:rPr lang="sr-Latn-RS" altLang="en-US" dirty="0" smtClean="0"/>
+              <a:t>i 191.255.255.255) </a:t>
+            </a:r>
+            <a:r>
+              <a:rPr lang="sr-Latn-RS" altLang="en-US" dirty="0"/>
+              <a:t>su bile </a:t>
+            </a:r>
+            <a:r>
+              <a:rPr lang="sr-Latn-RS" altLang="en-US" dirty="0" smtClean="0"/>
+              <a:t>dodeljivane </a:t>
+            </a:r>
+            <a:r>
+              <a:rPr lang="sr-Latn-RS" altLang="en-US" dirty="0"/>
+              <a:t>srednjim </a:t>
+            </a:r>
+            <a:r>
+              <a:rPr lang="sr-Latn-RS" altLang="en-US" dirty="0" smtClean="0"/>
+              <a:t>mre</a:t>
+            </a:r>
+            <a:r>
+              <a:rPr lang="sr-Latn-RS" altLang="en-US" dirty="0"/>
+              <a:t>ž</a:t>
+            </a:r>
+            <a:r>
+              <a:rPr lang="sr-Latn-RS" altLang="en-US" dirty="0" smtClean="0"/>
+              <a:t>ama </a:t>
+            </a:r>
+            <a:r>
+              <a:rPr lang="sr-Latn-RS" altLang="en-US" dirty="0"/>
+              <a:t>(16+16 </a:t>
+            </a:r>
+            <a:r>
+              <a:rPr lang="sr-Latn-RS" altLang="en-US" dirty="0" smtClean="0"/>
+              <a:t>bita - preko 16 </a:t>
+            </a:r>
+            <a:r>
+              <a:rPr lang="sr-Latn-RS" altLang="en-US" dirty="0"/>
+              <a:t>hiljada </a:t>
+            </a:r>
+            <a:r>
+              <a:rPr lang="sr-Latn-RS" altLang="en-US" dirty="0" smtClean="0"/>
+              <a:t>mre</a:t>
+            </a:r>
+            <a:r>
+              <a:rPr lang="sr-Latn-RS" altLang="en-US" dirty="0"/>
+              <a:t>ž</a:t>
+            </a:r>
+            <a:r>
+              <a:rPr lang="sr-Latn-RS" altLang="en-US" dirty="0" smtClean="0"/>
+              <a:t>a </a:t>
+            </a:r>
+            <a:r>
+              <a:rPr lang="sr-Latn-RS" altLang="en-US" dirty="0"/>
+              <a:t>sa </a:t>
+            </a:r>
+            <a:r>
+              <a:rPr lang="sr-Latn-RS" altLang="en-US" dirty="0" smtClean="0"/>
+              <a:t>mogućih </a:t>
+            </a:r>
+            <a:r>
+              <a:rPr lang="sr-Latn-RS" altLang="en-US" dirty="0"/>
+              <a:t>65536 korisnika</a:t>
             </a:r>
             <a:r>
               <a:rPr lang="sr-Latn-RS" altLang="en-US" dirty="0" smtClean="0"/>
@@ -42937,197 +42842,137 @@
             </a:r>
           </a:p>
           <a:p>
+            <a:pPr marL="1257300" lvl="2" indent="-457200" eaLnBrk="1" hangingPunct="1"/>
+            <a:r>
+              <a:rPr lang="sr-Latn-RS" altLang="en-US" dirty="0" smtClean="0"/>
+              <a:t>Adrese </a:t>
+            </a:r>
+            <a:r>
+              <a:rPr lang="sr-Latn-RS" altLang="en-US" dirty="0"/>
+              <a:t>klase C (</a:t>
+            </a:r>
+            <a:r>
+              <a:rPr lang="sr-Latn-RS" altLang="en-US" dirty="0" err="1" smtClean="0"/>
+              <a:t>poćinje</a:t>
+            </a:r>
+            <a:r>
+              <a:rPr lang="sr-Latn-RS" altLang="en-US" dirty="0" smtClean="0"/>
+              <a:t> </a:t>
+            </a:r>
+            <a:r>
+              <a:rPr lang="sr-Latn-RS" altLang="en-US" dirty="0"/>
+              <a:t>sa 110 </a:t>
+            </a:r>
+            <a:r>
+              <a:rPr lang="sr-Latn-RS" altLang="en-US" dirty="0" smtClean="0"/>
+              <a:t>- izmeđ</a:t>
+            </a:r>
+            <a:r>
+              <a:rPr lang="sr-Latn-RS" altLang="en-US" dirty="0"/>
+              <a:t>u 192.0.0.0 </a:t>
+            </a:r>
+            <a:r>
+              <a:rPr lang="sr-Latn-RS" altLang="en-US" dirty="0" smtClean="0"/>
+              <a:t>i 223.255.255.255) su </a:t>
+            </a:r>
+            <a:r>
+              <a:rPr lang="sr-Latn-RS" altLang="en-US" dirty="0"/>
+              <a:t>bile </a:t>
+            </a:r>
+            <a:r>
+              <a:rPr lang="sr-Latn-RS" altLang="en-US" dirty="0" smtClean="0"/>
+              <a:t>dodeljivane malim mrežama </a:t>
+            </a:r>
+            <a:r>
+              <a:rPr lang="sr-Latn-RS" altLang="en-US" dirty="0"/>
+              <a:t>(24+8 bita </a:t>
+            </a:r>
+            <a:r>
+              <a:rPr lang="sr-Latn-RS" altLang="en-US" dirty="0" smtClean="0"/>
+              <a:t>- </a:t>
+            </a:r>
+            <a:r>
+              <a:rPr lang="sr-Latn-RS" altLang="en-US" dirty="0"/>
+              <a:t>preko dva miliona </a:t>
+            </a:r>
+            <a:r>
+              <a:rPr lang="sr-Latn-RS" altLang="en-US" dirty="0" smtClean="0"/>
+              <a:t>mreža </a:t>
+            </a:r>
+            <a:r>
+              <a:rPr lang="sr-Latn-RS" altLang="en-US" dirty="0"/>
+              <a:t>sa </a:t>
+            </a:r>
+            <a:r>
+              <a:rPr lang="sr-Latn-RS" altLang="en-US" dirty="0" smtClean="0"/>
+              <a:t>mogućih </a:t>
+            </a:r>
+            <a:r>
+              <a:rPr lang="sr-Latn-RS" altLang="en-US" dirty="0"/>
+              <a:t>256 korisnika).</a:t>
+            </a:r>
+          </a:p>
+          <a:p>
             <a:pPr marL="857250" lvl="1" indent="-457200" eaLnBrk="1" hangingPunct="1"/>
             <a:r>
-              <a:rPr lang="sr-Latn-RS" altLang="en-US" dirty="0" smtClean="0"/>
-              <a:t>Specijalizovani server (</a:t>
-            </a:r>
-            <a:r>
-              <a:rPr lang="sr-Latn-RS" altLang="en-US" dirty="0"/>
-              <a:t>tzv. DHCP server) je </a:t>
-            </a:r>
-            <a:r>
-              <a:rPr lang="sr-Latn-RS" altLang="en-US" dirty="0" smtClean="0"/>
-              <a:t>zadužen </a:t>
-            </a:r>
-            <a:r>
-              <a:rPr lang="sr-Latn-RS" altLang="en-US" dirty="0"/>
-              <a:t>za skup IP adresa koje odreduje </a:t>
-            </a:r>
-            <a:r>
-              <a:rPr lang="sr-Latn-RS" altLang="en-US" dirty="0" smtClean="0"/>
-              <a:t>administrator mreže </a:t>
-            </a:r>
-            <a:r>
-              <a:rPr lang="sr-Latn-RS" altLang="en-US" dirty="0"/>
-              <a:t>i na zahtev uredaja koji se </a:t>
-            </a:r>
-            <a:r>
-              <a:rPr lang="sr-Latn-RS" altLang="en-US" dirty="0" smtClean="0"/>
-              <a:t>priklju</a:t>
-            </a:r>
-            <a:r>
-              <a:rPr lang="sr-Latn-RS" altLang="en-US" dirty="0"/>
-              <a:t>č</a:t>
-            </a:r>
-            <a:r>
-              <a:rPr lang="sr-Latn-RS" altLang="en-US" dirty="0" smtClean="0"/>
-              <a:t>uje </a:t>
-            </a:r>
-            <a:r>
-              <a:rPr lang="sr-Latn-RS" altLang="en-US" dirty="0"/>
-              <a:t>na </a:t>
-            </a:r>
-            <a:r>
-              <a:rPr lang="sr-Latn-RS" altLang="en-US" dirty="0" smtClean="0"/>
-              <a:t>mre</a:t>
-            </a:r>
-            <a:r>
-              <a:rPr lang="sr-Latn-RS" altLang="en-US" dirty="0"/>
-              <a:t>ž</a:t>
-            </a:r>
-            <a:r>
-              <a:rPr lang="sr-Latn-RS" altLang="en-US" dirty="0" smtClean="0"/>
-              <a:t>u </a:t>
-            </a:r>
-            <a:r>
-              <a:rPr lang="sr-Latn-RS" altLang="en-US" dirty="0"/>
-              <a:t>dodeljuje mu neku u </a:t>
-            </a:r>
-            <a:r>
-              <a:rPr lang="sr-Latn-RS" altLang="en-US" dirty="0" smtClean="0"/>
-              <a:t>tom trenutku </a:t>
-            </a:r>
-            <a:r>
-              <a:rPr lang="sr-Latn-RS" altLang="en-US" dirty="0"/>
-              <a:t>slobodnu </a:t>
-            </a:r>
-            <a:r>
-              <a:rPr lang="sr-Latn-RS" altLang="en-US" dirty="0" smtClean="0"/>
-              <a:t>adresu </a:t>
-            </a:r>
-          </a:p>
-          <a:p>
-            <a:pPr marL="857250" lvl="1" indent="-457200" eaLnBrk="1" hangingPunct="1"/>
-            <a:r>
-              <a:rPr lang="sr-Latn-RS" altLang="en-US" dirty="0" smtClean="0"/>
-              <a:t>Server </a:t>
-            </a:r>
-            <a:r>
-              <a:rPr lang="sr-Latn-RS" altLang="en-US" dirty="0"/>
-              <a:t>se </a:t>
-            </a:r>
-            <a:r>
-              <a:rPr lang="sr-Latn-RS" altLang="en-US" dirty="0" smtClean="0"/>
-              <a:t>mo</a:t>
-            </a:r>
-            <a:r>
-              <a:rPr lang="sr-Latn-RS" altLang="en-US" dirty="0"/>
-              <a:t>ž</a:t>
-            </a:r>
-            <a:r>
-              <a:rPr lang="sr-Latn-RS" altLang="en-US" dirty="0" smtClean="0"/>
-              <a:t>e </a:t>
-            </a:r>
-            <a:r>
-              <a:rPr lang="sr-Latn-RS" altLang="en-US" dirty="0"/>
-              <a:t>konfigurisati tako da dodeljuje </a:t>
-            </a:r>
-            <a:r>
-              <a:rPr lang="sr-Latn-RS" altLang="en-US" dirty="0" smtClean="0"/>
-              <a:t>bilo koju </a:t>
-            </a:r>
-            <a:r>
-              <a:rPr lang="sr-Latn-RS" altLang="en-US" dirty="0"/>
-              <a:t>slobodnu IP adresu, </a:t>
-            </a:r>
-            <a:r>
-              <a:rPr lang="sr-Latn-RS" altLang="en-US" dirty="0" smtClean="0"/>
-              <a:t>ili uvek </a:t>
-            </a:r>
-            <a:r>
-              <a:rPr lang="sr-Latn-RS" altLang="en-US" dirty="0"/>
-              <a:t>istu adresu koja se odreduje na osnovu </a:t>
-            </a:r>
-            <a:r>
-              <a:rPr lang="sr-Latn-RS" altLang="en-US" dirty="0" smtClean="0"/>
-              <a:t>MAC adrese </a:t>
-            </a:r>
-            <a:r>
-              <a:rPr lang="sr-Latn-RS" altLang="en-US" dirty="0"/>
-              <a:t>uredaja koji zahteva IP </a:t>
-            </a:r>
-            <a:r>
-              <a:rPr lang="sr-Latn-RS" altLang="en-US" dirty="0" smtClean="0"/>
-              <a:t>adresu, </a:t>
-            </a:r>
-            <a:r>
-              <a:rPr lang="sr-Latn-RS" altLang="en-US" dirty="0"/>
-              <a:t>i </a:t>
-            </a:r>
-            <a:r>
-              <a:rPr lang="sr-Latn-RS" altLang="en-US" dirty="0" smtClean="0"/>
-              <a:t>slično</a:t>
+              <a:rPr lang="sr-Latn-RS" altLang="en-US" dirty="0"/>
+              <a:t>Vremenom se pokazalo da ovakva organizacija nije skalabilna </a:t>
+            </a:r>
+            <a:endParaRPr lang="sr-Latn-RS" altLang="en-US" dirty="0" smtClean="0"/>
+          </a:p>
+          <a:p>
+            <a:pPr marL="1257300" lvl="2" indent="-457200" eaLnBrk="1" hangingPunct="1"/>
+            <a:r>
+              <a:rPr lang="sr-Latn-RS" altLang="en-US" dirty="0" smtClean="0"/>
+              <a:t>Obično </a:t>
+            </a:r>
+            <a:r>
+              <a:rPr lang="sr-Latn-RS" altLang="en-US" dirty="0"/>
+              <a:t>su </a:t>
+            </a:r>
+            <a:r>
+              <a:rPr lang="sr-Latn-RS" altLang="en-US" dirty="0" smtClean="0"/>
+              <a:t>mreže kompanija </a:t>
+            </a:r>
+            <a:r>
+              <a:rPr lang="sr-Latn-RS" altLang="en-US" dirty="0"/>
+              <a:t>imale potrebu za </a:t>
+            </a:r>
+            <a:r>
+              <a:rPr lang="sr-Latn-RS" altLang="en-US" dirty="0" smtClean="0"/>
+              <a:t>više </a:t>
+            </a:r>
+            <a:r>
+              <a:rPr lang="sr-Latn-RS" altLang="en-US" dirty="0"/>
+              <a:t>od 256 uredaja, tako su uzimale adrese </a:t>
+            </a:r>
+            <a:r>
+              <a:rPr lang="sr-Latn-RS" altLang="en-US" dirty="0" smtClean="0"/>
+              <a:t>klase B</a:t>
+            </a:r>
+            <a:r>
+              <a:rPr lang="sr-Latn-RS" altLang="en-US" dirty="0"/>
+              <a:t>, </a:t>
+            </a:r>
+            <a:r>
+              <a:rPr lang="sr-Latn-RS" altLang="en-US" dirty="0" smtClean="0"/>
+              <a:t>pa </a:t>
+            </a:r>
+            <a:r>
+              <a:rPr lang="sr-Latn-RS" altLang="en-US" dirty="0"/>
+              <a:t>je veliki broj adresa ostajao </a:t>
+            </a:r>
+            <a:r>
+              <a:rPr lang="sr-Latn-RS" altLang="en-US" dirty="0" smtClean="0"/>
+              <a:t>nedodeljen</a:t>
             </a:r>
           </a:p>
         </p:txBody>
       </p:sp>
-      <p:pic>
-        <p:nvPicPr>
-          <p:cNvPr id="10242" name="Picture 2"/>
-          <p:cNvPicPr>
-            <a:picLocks noChangeAspect="1" noChangeArrowheads="1"/>
-          </p:cNvPicPr>
-          <p:nvPr/>
-        </p:nvPicPr>
-        <p:blipFill rotWithShape="1">
-          <a:blip r:embed="rId3">
-            <a:extLst>
-              <a:ext uri="{28A0092B-C50C-407E-A947-70E740481C1C}">
-                <a14:useLocalDpi xmlns:a14="http://schemas.microsoft.com/office/drawing/2010/main" val="0"/>
-              </a:ext>
-            </a:extLst>
-          </a:blip>
-          <a:srcRect t="4240" r="1710" b="3849"/>
-          <a:stretch/>
-        </p:blipFill>
-        <p:spPr bwMode="auto">
-          <a:xfrm>
-            <a:off x="4905443" y="4732774"/>
-            <a:ext cx="4138073" cy="2039815"/>
-          </a:xfrm>
-          <a:prstGeom prst="rect">
-            <a:avLst/>
-          </a:prstGeom>
-          <a:noFill/>
-          <a:ln>
-            <a:noFill/>
-          </a:ln>
-          <a:extLst>
-            <a:ext uri="{909E8E84-426E-40DD-AFC4-6F175D3DCCD1}">
-              <a14:hiddenFill xmlns:a14="http://schemas.microsoft.com/office/drawing/2010/main">
-                <a:solidFill>
-                  <a:schemeClr val="accent1"/>
-                </a:solidFill>
-              </a14:hiddenFill>
-            </a:ext>
-            <a:ext uri="{91240B29-F687-4F45-9708-019B960494DF}">
-              <a14:hiddenLine xmlns:a14="http://schemas.microsoft.com/office/drawing/2010/main" w="9525">
-                <a:solidFill>
-                  <a:schemeClr val="tx1"/>
-                </a:solidFill>
-                <a:miter lim="800000"/>
-                <a:headEnd/>
-                <a:tailEnd/>
-              </a14:hiddenLine>
-            </a:ext>
-          </a:extLst>
-        </p:spPr>
-      </p:pic>
     </p:spTree>
     <p:extLst>
       <p:ext uri="{BB962C8B-B14F-4D97-AF65-F5344CB8AC3E}">
-        <p14:creationId xmlns:p14="http://schemas.microsoft.com/office/powerpoint/2010/main" val="1436100307"/>
+        <p14:creationId xmlns:p14="http://schemas.microsoft.com/office/powerpoint/2010/main" val="2274045906"/>
       </p:ext>
     </p:extLst>
   </p:cSld>
@@ -43183,28 +43028,44 @@
           <a:p>
             <a:pPr eaLnBrk="1" hangingPunct="1"/>
             <a:r>
+              <a:rPr lang="sr-Latn-RS" altLang="en-US" sz="3200" dirty="0">
+                <a:solidFill>
+                  <a:schemeClr val="hlink"/>
+                </a:solidFill>
+              </a:rPr>
+              <a:t>Hijerarhijska struktura </a:t>
+            </a:r>
+            <a:r>
+              <a:rPr lang="sv-SE" altLang="en-US" sz="3200" dirty="0">
+                <a:solidFill>
+                  <a:schemeClr val="hlink"/>
+                </a:solidFill>
+              </a:rPr>
+              <a:t>IP</a:t>
+            </a:r>
+            <a:r>
+              <a:rPr lang="sr-Latn-RS" altLang="en-US" sz="3200" dirty="0">
+                <a:solidFill>
+                  <a:schemeClr val="hlink"/>
+                </a:solidFill>
+              </a:rPr>
+              <a:t> </a:t>
+            </a:r>
+            <a:r>
               <a:rPr lang="sr-Latn-RS" altLang="en-US" sz="3200" dirty="0" smtClean="0">
                 <a:solidFill>
                   <a:schemeClr val="hlink"/>
                 </a:solidFill>
               </a:rPr>
-              <a:t>Hijerarhijska struktura </a:t>
-            </a:r>
-            <a:r>
-              <a:rPr lang="sv-SE" altLang="en-US" sz="3200" dirty="0" smtClean="0">
+              <a:t>adresa (4</a:t>
+            </a:r>
+            <a:r>
+              <a:rPr lang="sr-Latn-RS" altLang="en-US" sz="3200" dirty="0" smtClean="0">
                 <a:solidFill>
                   <a:schemeClr val="hlink"/>
                 </a:solidFill>
               </a:rPr>
-              <a:t>IP</a:t>
-            </a:r>
-            <a:r>
-              <a:rPr lang="sr-Latn-RS" altLang="en-US" sz="3200" dirty="0" smtClean="0">
-                <a:solidFill>
-                  <a:schemeClr val="hlink"/>
-                </a:solidFill>
-              </a:rPr>
-              <a:t> adresa</a:t>
+              <a:t>)</a:t>
             </a:r>
             <a:endParaRPr lang="en-US" altLang="en-US" b="1" dirty="0" smtClean="0"/>
           </a:p>
@@ -43233,302 +43094,21 @@
             <a:pPr marL="857250" lvl="1" indent="-457200" eaLnBrk="1" hangingPunct="1"/>
             <a:r>
               <a:rPr lang="sr-Latn-RS" altLang="en-US" dirty="0"/>
-              <a:t>IP adrese su strukturirane </a:t>
-            </a:r>
-            <a:r>
-              <a:rPr lang="sr-Latn-RS" altLang="en-US" dirty="0">
-                <a:solidFill>
-                  <a:schemeClr val="accent1">
-                    <a:lumMod val="50000"/>
-                  </a:schemeClr>
-                </a:solidFill>
-              </a:rPr>
-              <a:t>hijerarhijski</a:t>
-            </a:r>
-            <a:r>
-              <a:rPr lang="sr-Latn-RS" altLang="en-US" dirty="0"/>
-              <a:t>: adresa se deli na bitove </a:t>
-            </a:r>
-            <a:r>
-              <a:rPr lang="sr-Latn-RS" altLang="en-US" dirty="0" smtClean="0"/>
-              <a:t>koji adresiraju mre</a:t>
-            </a:r>
-            <a:r>
-              <a:rPr lang="sr-Latn-RS" altLang="en-US" dirty="0"/>
-              <a:t>ž</a:t>
-            </a:r>
-            <a:r>
-              <a:rPr lang="sr-Latn-RS" altLang="en-US" dirty="0" smtClean="0"/>
-              <a:t>u </a:t>
-            </a:r>
-            <a:r>
-              <a:rPr lang="sr-Latn-RS" altLang="en-US" dirty="0"/>
-              <a:t>(</a:t>
-            </a:r>
-            <a:r>
-              <a:rPr lang="sr-Latn-RS" altLang="en-US" dirty="0" smtClean="0"/>
-              <a:t>vode</a:t>
-            </a:r>
-            <a:r>
-              <a:rPr lang="sr-Latn-RS" altLang="en-US" dirty="0"/>
-              <a:t>ć</a:t>
-            </a:r>
-            <a:r>
-              <a:rPr lang="sr-Latn-RS" altLang="en-US" dirty="0" smtClean="0"/>
-              <a:t>i</a:t>
-            </a:r>
-            <a:r>
-              <a:rPr lang="sr-Latn-RS" altLang="en-US" dirty="0"/>
-              <a:t>) i bitove koji adresiraju </a:t>
-            </a:r>
-            <a:r>
-              <a:rPr lang="sr-Latn-RS" altLang="en-US" dirty="0" smtClean="0"/>
-              <a:t>uređ</a:t>
-            </a:r>
-            <a:r>
-              <a:rPr lang="sr-Latn-RS" altLang="en-US" dirty="0"/>
-              <a:t>aj u okviru </a:t>
-            </a:r>
-            <a:r>
-              <a:rPr lang="sr-Latn-RS" altLang="en-US" dirty="0" smtClean="0"/>
-              <a:t>mre</a:t>
-            </a:r>
-            <a:r>
-              <a:rPr lang="sr-Latn-RS" altLang="en-US" dirty="0"/>
-              <a:t>ž</a:t>
-            </a:r>
-            <a:r>
-              <a:rPr lang="sr-Latn-RS" altLang="en-US" dirty="0" smtClean="0"/>
-              <a:t>e</a:t>
+              <a:t>Dva načina </a:t>
+            </a:r>
+            <a:r>
+              <a:rPr lang="sr-Latn-RS" altLang="en-US" dirty="0" smtClean="0"/>
+              <a:t>zapisa </a:t>
+            </a:r>
+            <a:r>
+              <a:rPr lang="sr-Latn-RS" altLang="en-US" dirty="0" err="1" smtClean="0"/>
+              <a:t>skalabilnog</a:t>
+            </a:r>
+            <a:r>
+              <a:rPr lang="sr-Latn-RS" altLang="en-US" dirty="0" smtClean="0"/>
+              <a:t> zapisa IP adresa:</a:t>
             </a:r>
             <a:endParaRPr lang="sr-Latn-RS" altLang="en-US" dirty="0"/>
-          </a:p>
-          <a:p>
-            <a:pPr marL="857250" lvl="1" indent="-457200" eaLnBrk="1" hangingPunct="1"/>
-            <a:r>
-              <a:rPr lang="sr-Latn-RS" altLang="en-US" dirty="0"/>
-              <a:t>Paket se dostavlja:</a:t>
-            </a:r>
-          </a:p>
-          <a:p>
-            <a:pPr marL="1257300" lvl="2" indent="-457200" eaLnBrk="1" hangingPunct="1"/>
-            <a:r>
-              <a:rPr lang="sr-Latn-RS" altLang="en-US" dirty="0" smtClean="0"/>
-              <a:t>korišćenjem </a:t>
-            </a:r>
-            <a:r>
-              <a:rPr lang="sr-Latn-RS" altLang="en-US" dirty="0"/>
-              <a:t>lokalnog </a:t>
-            </a:r>
-            <a:r>
-              <a:rPr lang="sr-Latn-RS" altLang="en-US" dirty="0" smtClean="0"/>
-              <a:t>mre</a:t>
-            </a:r>
-            <a:r>
-              <a:rPr lang="sr-Latn-RS" altLang="en-US" dirty="0"/>
-              <a:t>ž</a:t>
-            </a:r>
-            <a:r>
-              <a:rPr lang="sr-Latn-RS" altLang="en-US" dirty="0" smtClean="0"/>
-              <a:t>nog saobra</a:t>
-            </a:r>
-            <a:r>
-              <a:rPr lang="sr-Latn-RS" altLang="en-US" dirty="0"/>
-              <a:t>ć</a:t>
-            </a:r>
-            <a:r>
-              <a:rPr lang="sr-Latn-RS" altLang="en-US" dirty="0" smtClean="0"/>
-              <a:t>aja</a:t>
-            </a:r>
-            <a:endParaRPr lang="sr-Latn-RS" altLang="en-US" dirty="0"/>
-          </a:p>
-          <a:p>
-            <a:pPr marL="1257300" lvl="2" indent="-457200" eaLnBrk="1" hangingPunct="1"/>
-            <a:r>
-              <a:rPr lang="sr-Latn-RS" altLang="en-US" dirty="0"/>
-              <a:t>š</a:t>
-            </a:r>
-            <a:r>
-              <a:rPr lang="sr-Latn-RS" altLang="en-US" dirty="0" smtClean="0"/>
-              <a:t>alje </a:t>
-            </a:r>
-            <a:r>
-              <a:rPr lang="sr-Latn-RS" altLang="en-US" dirty="0"/>
-              <a:t>se van </a:t>
-            </a:r>
-            <a:r>
-              <a:rPr lang="sr-Latn-RS" altLang="en-US" dirty="0" smtClean="0"/>
-              <a:t>mre</a:t>
-            </a:r>
-            <a:r>
-              <a:rPr lang="sr-Latn-RS" altLang="en-US" dirty="0"/>
-              <a:t>ž</a:t>
-            </a:r>
-            <a:r>
-              <a:rPr lang="sr-Latn-RS" altLang="en-US" dirty="0" smtClean="0"/>
-              <a:t>e </a:t>
-            </a:r>
-            <a:r>
-              <a:rPr lang="sr-Latn-RS" altLang="en-US" dirty="0"/>
-              <a:t>"u </a:t>
-            </a:r>
-            <a:r>
-              <a:rPr lang="sr-Latn-RS" altLang="en-US" dirty="0" smtClean="0"/>
-              <a:t>svet“ - </a:t>
-            </a:r>
-            <a:r>
-              <a:rPr lang="sr-Latn-RS" altLang="en-US" dirty="0"/>
-              <a:t>preko </a:t>
-            </a:r>
-            <a:r>
-              <a:rPr lang="sr-Latn-RS" altLang="en-US" dirty="0" smtClean="0"/>
-              <a:t>određ</a:t>
-            </a:r>
-            <a:r>
-              <a:rPr lang="sr-Latn-RS" altLang="en-US" dirty="0"/>
-              <a:t>enog rutera koji se </a:t>
-            </a:r>
-            <a:r>
-              <a:rPr lang="sr-Latn-RS" altLang="en-US" dirty="0" smtClean="0"/>
-              <a:t>naziva </a:t>
-            </a:r>
-            <a:r>
-              <a:rPr lang="sr-Latn-RS" altLang="en-US" dirty="0" smtClean="0">
-                <a:solidFill>
-                  <a:schemeClr val="accent1">
-                    <a:lumMod val="50000"/>
-                  </a:schemeClr>
-                </a:solidFill>
-              </a:rPr>
-              <a:t>izlazna </a:t>
-            </a:r>
-            <a:r>
-              <a:rPr lang="sr-Latn-RS" altLang="en-US" dirty="0">
-                <a:solidFill>
-                  <a:schemeClr val="accent1">
-                    <a:lumMod val="50000"/>
-                  </a:schemeClr>
-                </a:solidFill>
-              </a:rPr>
-              <a:t>kapija </a:t>
-            </a:r>
-            <a:r>
-              <a:rPr lang="sr-Latn-RS" altLang="en-US" dirty="0" smtClean="0"/>
-              <a:t>(</a:t>
-            </a:r>
-            <a:r>
-              <a:rPr lang="sr-Latn-RS" altLang="en-US" dirty="0" err="1"/>
-              <a:t>gateway</a:t>
-            </a:r>
-            <a:r>
-              <a:rPr lang="sr-Latn-RS" altLang="en-US" dirty="0"/>
-              <a:t>)</a:t>
-            </a:r>
-          </a:p>
-          <a:p>
-            <a:pPr marL="857250" lvl="1" indent="-457200" eaLnBrk="1" hangingPunct="1"/>
-            <a:r>
-              <a:rPr lang="sr-Latn-RS" altLang="en-US" dirty="0"/>
-              <a:t>Svi </a:t>
-            </a:r>
-            <a:r>
-              <a:rPr lang="sr-Latn-RS" altLang="en-US" dirty="0" smtClean="0"/>
-              <a:t>uređ</a:t>
-            </a:r>
-            <a:r>
-              <a:rPr lang="sr-Latn-RS" altLang="en-US" dirty="0"/>
-              <a:t>aji iz iste </a:t>
-            </a:r>
-            <a:r>
-              <a:rPr lang="sr-Latn-RS" altLang="en-US" dirty="0" smtClean="0"/>
-              <a:t>mre</a:t>
-            </a:r>
-            <a:r>
-              <a:rPr lang="sr-Latn-RS" altLang="en-US" dirty="0"/>
-              <a:t>ž</a:t>
-            </a:r>
-            <a:r>
-              <a:rPr lang="sr-Latn-RS" altLang="en-US" dirty="0" smtClean="0"/>
-              <a:t>e </a:t>
-            </a:r>
-            <a:r>
-              <a:rPr lang="sr-Latn-RS" altLang="en-US" dirty="0"/>
-              <a:t>dele </a:t>
-            </a:r>
-            <a:r>
-              <a:rPr lang="sr-Latn-RS" altLang="en-US" dirty="0" smtClean="0"/>
-              <a:t>zajedni</a:t>
-            </a:r>
-            <a:r>
-              <a:rPr lang="sr-Latn-RS" altLang="en-US" dirty="0"/>
-              <a:t>č</a:t>
-            </a:r>
-            <a:r>
-              <a:rPr lang="sr-Latn-RS" altLang="en-US" dirty="0" smtClean="0"/>
-              <a:t>ki po</a:t>
-            </a:r>
-            <a:r>
-              <a:rPr lang="sr-Latn-RS" altLang="en-US" dirty="0"/>
-              <a:t>č</a:t>
-            </a:r>
-            <a:r>
-              <a:rPr lang="sr-Latn-RS" altLang="en-US" dirty="0" smtClean="0"/>
-              <a:t>etak </a:t>
-            </a:r>
-            <a:r>
-              <a:rPr lang="sr-Latn-RS" altLang="en-US" dirty="0"/>
-              <a:t>IP adrese</a:t>
-            </a:r>
-          </a:p>
-          <a:p>
-            <a:pPr marL="1257300" lvl="2" indent="-457200" eaLnBrk="1" hangingPunct="1"/>
-            <a:r>
-              <a:rPr lang="sr-Latn-RS" altLang="en-US" dirty="0"/>
-              <a:t>Primer: od </a:t>
-            </a:r>
-            <a:r>
-              <a:rPr lang="sr-Latn-RS" altLang="en-US" dirty="0" smtClean="0"/>
-              <a:t>147.91.67.0 </a:t>
-            </a:r>
-            <a:r>
-              <a:rPr lang="sr-Latn-RS" altLang="en-US" dirty="0"/>
-              <a:t>do 147.91.67</a:t>
-            </a:r>
-            <a:r>
-              <a:rPr lang="sr-Latn-RS" altLang="en-US" dirty="0" smtClean="0"/>
-              <a:t>.255 - </a:t>
-            </a:r>
-            <a:r>
-              <a:rPr lang="sr-Latn-RS" altLang="en-US" dirty="0"/>
-              <a:t>ista prva 24 bita</a:t>
-            </a:r>
-            <a:r>
-              <a:rPr lang="sr-Latn-RS" altLang="en-US" dirty="0" smtClean="0"/>
-              <a:t>, razlikuju </a:t>
-            </a:r>
-            <a:r>
-              <a:rPr lang="sr-Latn-RS" altLang="en-US" dirty="0"/>
-              <a:t>se poslednjih </a:t>
-            </a:r>
-            <a:r>
-              <a:rPr lang="sr-Latn-RS" altLang="en-US" dirty="0" smtClean="0"/>
-              <a:t>8</a:t>
-            </a:r>
-          </a:p>
-          <a:p>
-            <a:pPr marL="857250" lvl="1" indent="-457200" eaLnBrk="1" hangingPunct="1"/>
-            <a:r>
-              <a:rPr lang="sr-Latn-RS" altLang="en-US" dirty="0"/>
-              <a:t>Dva </a:t>
-            </a:r>
-            <a:r>
-              <a:rPr lang="sr-Latn-RS" altLang="en-US" dirty="0" smtClean="0"/>
-              <a:t>načina </a:t>
-            </a:r>
-            <a:r>
-              <a:rPr lang="sr-Latn-RS" altLang="en-US" dirty="0"/>
-              <a:t>zapisa:</a:t>
-            </a:r>
           </a:p>
           <a:p>
             <a:pPr marL="1257300" lvl="2" indent="-457200" eaLnBrk="1" hangingPunct="1"/>
@@ -43542,31 +43122,22 @@
             </a:r>
             <a:r>
               <a:rPr lang="sr-Latn-RS" altLang="en-US" dirty="0"/>
-              <a:t> </a:t>
-            </a:r>
-            <a:r>
-              <a:rPr lang="sr-Latn-RS" altLang="en-US" dirty="0" smtClean="0"/>
-              <a:t>- adresa 147.91.67.138/24</a:t>
-            </a:r>
-            <a:endParaRPr lang="sr-Latn-RS" altLang="en-US" dirty="0"/>
+              <a:t> - adresa 147.91.67.138/24</a:t>
+            </a:r>
           </a:p>
           <a:p>
             <a:pPr marL="1257300" lvl="2" indent="-457200" eaLnBrk="1" hangingPunct="1"/>
             <a:r>
-              <a:rPr lang="sr-Latn-RS" altLang="en-US" dirty="0" smtClean="0"/>
+              <a:rPr lang="sr-Latn-RS" altLang="en-US" dirty="0"/>
               <a:t>Maska </a:t>
             </a:r>
             <a:r>
-              <a:rPr lang="sr-Latn-RS" altLang="en-US" dirty="0" err="1" smtClean="0"/>
+              <a:rPr lang="sr-Latn-RS" altLang="en-US" dirty="0" err="1"/>
               <a:t>podmreže</a:t>
             </a:r>
             <a:r>
-              <a:rPr lang="sr-Latn-RS" altLang="en-US" dirty="0" smtClean="0"/>
-              <a:t> </a:t>
-            </a:r>
-            <a:r>
-              <a:rPr lang="sr-Latn-RS" altLang="en-US" dirty="0"/>
-              <a:t>(</a:t>
+              <a:rPr lang="sr-Latn-RS" altLang="en-US" dirty="0"/>
+              <a:t> (</a:t>
             </a:r>
             <a:r>
               <a:rPr lang="sr-Latn-RS" altLang="en-US" dirty="0" err="1"/>
@@ -43582,48 +43153,334 @@
             </a:r>
             <a:r>
               <a:rPr lang="sr-Latn-RS" altLang="en-US" dirty="0"/>
-              <a:t>) </a:t>
-            </a:r>
-            <a:r>
-              <a:rPr lang="sr-Latn-RS" altLang="en-US" dirty="0" smtClean="0"/>
-              <a:t>- </a:t>
-            </a:r>
-            <a:r>
-              <a:rPr lang="sr-Latn-RS" altLang="en-US" dirty="0"/>
-              <a:t>uz adresu </a:t>
-            </a:r>
-            <a:r>
-              <a:rPr lang="sr-Latn-RS" altLang="en-US" dirty="0" smtClean="0"/>
-              <a:t>147.91.67.138  </a:t>
-            </a:r>
-            <a:r>
-              <a:rPr lang="sr-Latn-RS" altLang="en-US" dirty="0"/>
-              <a:t>navodi </a:t>
-            </a:r>
-            <a:r>
-              <a:rPr lang="sr-Latn-RS" altLang="en-US" dirty="0" smtClean="0"/>
-              <a:t>se maska </a:t>
-            </a:r>
-            <a:r>
-              <a:rPr lang="sr-Latn-RS" altLang="en-US" dirty="0" err="1" smtClean="0"/>
+              <a:t>) - uz adresu 147.91.67.138  navodi se maska </a:t>
+            </a:r>
+            <a:r>
+              <a:rPr lang="sr-Latn-RS" altLang="en-US" dirty="0" err="1"/>
               <a:t>podmreže</a:t>
             </a:r>
             <a:r>
-              <a:rPr lang="sr-Latn-RS" altLang="en-US" dirty="0" smtClean="0"/>
-              <a:t> 255.255.255.0 </a:t>
-            </a:r>
-            <a:r>
-              <a:rPr lang="sr-Latn-RS" altLang="en-US" dirty="0"/>
-              <a:t>(24 jedinice i 8 nula)</a:t>
-            </a:r>
-            <a:endParaRPr lang="sr-Latn-RS" altLang="en-US" dirty="0" smtClean="0"/>
+              <a:rPr lang="sr-Latn-RS" altLang="en-US" dirty="0"/>
+              <a:t> 255.255.255.0 (24 jedinice i 8 nula)</a:t>
+            </a:r>
           </a:p>
         </p:txBody>
       </p:sp>
+      <p:sp>
+        <p:nvSpPr>
+          <p:cNvPr id="4" name="Rectangle 3"/>
+          <p:cNvSpPr txBox="1">
+            <a:spLocks noChangeArrowheads="1"/>
+          </p:cNvSpPr>
+          <p:nvPr/>
+        </p:nvSpPr>
+        <p:spPr bwMode="auto">
+          <a:xfrm>
+            <a:off x="443351" y="6456945"/>
+            <a:ext cx="8712522" cy="296317"/>
+          </a:xfrm>
+          <a:prstGeom prst="rect">
+            <a:avLst/>
+          </a:prstGeom>
+          <a:noFill/>
+          <a:ln>
+            <a:noFill/>
+          </a:ln>
+          <a:extLst>
+            <a:ext uri="{909E8E84-426E-40DD-AFC4-6F175D3DCCD1}">
+              <a14:hiddenFill xmlns:a14="http://schemas.microsoft.com/office/drawing/2010/main">
+                <a:solidFill>
+                  <a:srgbClr val="FFFFFF"/>
+                </a:solidFill>
+              </a14:hiddenFill>
+            </a:ext>
+            <a:ext uri="{91240B29-F687-4F45-9708-019B960494DF}">
+              <a14:hiddenLine xmlns:a14="http://schemas.microsoft.com/office/drawing/2010/main" w="9525">
+                <a:solidFill>
+                  <a:srgbClr val="000000"/>
+                </a:solidFill>
+                <a:miter lim="800000"/>
+                <a:headEnd/>
+                <a:tailEnd/>
+              </a14:hiddenLine>
+            </a:ext>
+          </a:extLst>
+        </p:spPr>
+        <p:txBody>
+          <a:bodyPr vert="horz" wrap="square" lIns="91440" tIns="45720" rIns="91440" bIns="45720" numCol="1" anchor="t" anchorCtr="0" compatLnSpc="1">
+            <a:prstTxWarp prst="textNoShape">
+              <a:avLst/>
+            </a:prstTxWarp>
+          </a:bodyPr>
+          <a:lstStyle>
+            <a:lvl1pPr marL="342900" indent="-342900" algn="l" rtl="0" eaLnBrk="0" fontAlgn="base" hangingPunct="0">
+              <a:spcBef>
+                <a:spcPct val="20000"/>
+              </a:spcBef>
+              <a:spcAft>
+                <a:spcPct val="0"/>
+              </a:spcAft>
+              <a:buClr>
+                <a:srgbClr val="002060"/>
+              </a:buClr>
+              <a:buFont typeface="Wingdings" pitchFamily="2" charset="2"/>
+              <a:buChar char="l"/>
+              <a:defRPr sz="2200">
+                <a:solidFill>
+                  <a:schemeClr val="tx1"/>
+                </a:solidFill>
+                <a:latin typeface="+mn-lt"/>
+                <a:ea typeface="+mn-ea"/>
+                <a:cs typeface="+mn-cs"/>
+              </a:defRPr>
+            </a:lvl1pPr>
+            <a:lvl2pPr marL="742950" indent="-285750" algn="l" rtl="0" eaLnBrk="0" fontAlgn="base" hangingPunct="0">
+              <a:spcBef>
+                <a:spcPct val="20000"/>
+              </a:spcBef>
+              <a:spcAft>
+                <a:spcPct val="0"/>
+              </a:spcAft>
+              <a:buClr>
+                <a:srgbClr val="002060"/>
+              </a:buClr>
+              <a:buFont typeface="Wingdings" pitchFamily="2" charset="2"/>
+              <a:buChar char="¡"/>
+              <a:defRPr sz="2000">
+                <a:solidFill>
+                  <a:schemeClr val="tx1"/>
+                </a:solidFill>
+                <a:latin typeface="+mn-lt"/>
+              </a:defRPr>
+            </a:lvl2pPr>
+            <a:lvl3pPr marL="1143000" indent="-228600" algn="l" rtl="0" eaLnBrk="0" fontAlgn="base" hangingPunct="0">
+              <a:spcBef>
+                <a:spcPct val="20000"/>
+              </a:spcBef>
+              <a:spcAft>
+                <a:spcPct val="0"/>
+              </a:spcAft>
+              <a:buClr>
+                <a:srgbClr val="002060"/>
+              </a:buClr>
+              <a:buFont typeface="Wingdings" pitchFamily="2" charset="2"/>
+              <a:buChar char="l"/>
+              <a:defRPr sz="1800">
+                <a:solidFill>
+                  <a:schemeClr val="tx1"/>
+                </a:solidFill>
+                <a:latin typeface="+mn-lt"/>
+              </a:defRPr>
+            </a:lvl3pPr>
+            <a:lvl4pPr marL="1600200" indent="-228600" algn="l" rtl="0" eaLnBrk="0" fontAlgn="base" hangingPunct="0">
+              <a:spcBef>
+                <a:spcPct val="20000"/>
+              </a:spcBef>
+              <a:spcAft>
+                <a:spcPct val="0"/>
+              </a:spcAft>
+              <a:buClr>
+                <a:srgbClr val="002060"/>
+              </a:buClr>
+              <a:buChar char="•"/>
+              <a:defRPr sz="1600">
+                <a:solidFill>
+                  <a:schemeClr val="tx1"/>
+                </a:solidFill>
+                <a:latin typeface="+mn-lt"/>
+              </a:defRPr>
+            </a:lvl4pPr>
+            <a:lvl5pPr marL="2057400" indent="-228600" algn="l" rtl="0" eaLnBrk="0" fontAlgn="base" hangingPunct="0">
+              <a:spcBef>
+                <a:spcPct val="20000"/>
+              </a:spcBef>
+              <a:spcAft>
+                <a:spcPct val="0"/>
+              </a:spcAft>
+              <a:buClr>
+                <a:srgbClr val="002060"/>
+              </a:buClr>
+              <a:buFont typeface="Wingdings" pitchFamily="2" charset="2"/>
+              <a:buChar char=""/>
+              <a:defRPr sz="1400">
+                <a:solidFill>
+                  <a:schemeClr val="tx1"/>
+                </a:solidFill>
+                <a:latin typeface="+mn-lt"/>
+              </a:defRPr>
+            </a:lvl5pPr>
+            <a:lvl6pPr marL="2514600" indent="-228600" algn="l" rtl="0" fontAlgn="base">
+              <a:spcBef>
+                <a:spcPct val="20000"/>
+              </a:spcBef>
+              <a:spcAft>
+                <a:spcPct val="0"/>
+              </a:spcAft>
+              <a:buClr>
+                <a:schemeClr val="accent1"/>
+              </a:buClr>
+              <a:buFont typeface="Wingdings" pitchFamily="2" charset="2"/>
+              <a:buChar char=""/>
+              <a:defRPr sz="2000">
+                <a:solidFill>
+                  <a:schemeClr val="tx1"/>
+                </a:solidFill>
+                <a:latin typeface="+mn-lt"/>
+              </a:defRPr>
+            </a:lvl6pPr>
+            <a:lvl7pPr marL="2971800" indent="-228600" algn="l" rtl="0" fontAlgn="base">
+              <a:spcBef>
+                <a:spcPct val="20000"/>
+              </a:spcBef>
+              <a:spcAft>
+                <a:spcPct val="0"/>
+              </a:spcAft>
+              <a:buClr>
+                <a:schemeClr val="accent1"/>
+              </a:buClr>
+              <a:buFont typeface="Wingdings" pitchFamily="2" charset="2"/>
+              <a:buChar char=""/>
+              <a:defRPr sz="2000">
+                <a:solidFill>
+                  <a:schemeClr val="tx1"/>
+                </a:solidFill>
+                <a:latin typeface="+mn-lt"/>
+              </a:defRPr>
+            </a:lvl7pPr>
+            <a:lvl8pPr marL="3429000" indent="-228600" algn="l" rtl="0" fontAlgn="base">
+              <a:spcBef>
+                <a:spcPct val="20000"/>
+              </a:spcBef>
+              <a:spcAft>
+                <a:spcPct val="0"/>
+              </a:spcAft>
+              <a:buClr>
+                <a:schemeClr val="accent1"/>
+              </a:buClr>
+              <a:buFont typeface="Wingdings" pitchFamily="2" charset="2"/>
+              <a:buChar char=""/>
+              <a:defRPr sz="2000">
+                <a:solidFill>
+                  <a:schemeClr val="tx1"/>
+                </a:solidFill>
+                <a:latin typeface="+mn-lt"/>
+              </a:defRPr>
+            </a:lvl8pPr>
+            <a:lvl9pPr marL="3886200" indent="-228600" algn="l" rtl="0" fontAlgn="base">
+              <a:spcBef>
+                <a:spcPct val="20000"/>
+              </a:spcBef>
+              <a:spcAft>
+                <a:spcPct val="0"/>
+              </a:spcAft>
+              <a:buClr>
+                <a:schemeClr val="accent1"/>
+              </a:buClr>
+              <a:buFont typeface="Wingdings" pitchFamily="2" charset="2"/>
+              <a:buChar char=""/>
+              <a:defRPr sz="2000">
+                <a:solidFill>
+                  <a:schemeClr val="tx1"/>
+                </a:solidFill>
+                <a:latin typeface="+mn-lt"/>
+              </a:defRPr>
+            </a:lvl9pPr>
+          </a:lstStyle>
+          <a:p>
+            <a:pPr marL="0" lvl="2" indent="0" algn="ctr" eaLnBrk="1" hangingPunct="1">
+              <a:buFont typeface="Wingdings" pitchFamily="2" charset="2"/>
+              <a:buNone/>
+            </a:pPr>
+            <a:r>
+              <a:rPr lang="sr-Latn-RS" altLang="en-US" sz="1200" kern="0" dirty="0" smtClean="0"/>
+              <a:t>IP adresa studentskog servera Matematičkog fakulteta</a:t>
+            </a:r>
+            <a:endParaRPr lang="sr-Latn-RS" altLang="en-US" sz="1200" kern="0" dirty="0" smtClean="0"/>
+          </a:p>
+        </p:txBody>
+      </p:sp>
+      <p:pic>
+        <p:nvPicPr>
+          <p:cNvPr id="5" name="Picture 2" descr="C:\Courses\Matf UVIT 2015-16\Predavanja\slika001.png"/>
+          <p:cNvPicPr>
+            <a:picLocks noChangeAspect="1" noChangeArrowheads="1"/>
+          </p:cNvPicPr>
+          <p:nvPr/>
+        </p:nvPicPr>
+        <p:blipFill rotWithShape="1">
+          <a:blip r:embed="rId3">
+            <a:extLst>
+              <a:ext uri="{28A0092B-C50C-407E-A947-70E740481C1C}">
+                <a14:useLocalDpi xmlns:a14="http://schemas.microsoft.com/office/drawing/2010/main" val="0"/>
+              </a:ext>
+            </a:extLst>
+          </a:blip>
+          <a:srcRect r="54916" b="10965"/>
+          <a:stretch/>
+        </p:blipFill>
+        <p:spPr bwMode="auto">
+          <a:xfrm>
+            <a:off x="5097750" y="2821653"/>
+            <a:ext cx="3146658" cy="3495951"/>
+          </a:xfrm>
+          <a:prstGeom prst="rect">
+            <a:avLst/>
+          </a:prstGeom>
+          <a:noFill/>
+          <a:extLst>
+            <a:ext uri="{909E8E84-426E-40DD-AFC4-6F175D3DCCD1}">
+              <a14:hiddenFill xmlns:a14="http://schemas.microsoft.com/office/drawing/2010/main">
+                <a:solidFill>
+                  <a:srgbClr val="FFFFFF"/>
+                </a:solidFill>
+              </a14:hiddenFill>
+            </a:ext>
+          </a:extLst>
+        </p:spPr>
+      </p:pic>
+      <p:pic>
+        <p:nvPicPr>
+          <p:cNvPr id="6" name="Picture 3" descr="C:\Courses\Matf UVIT 2015-16\Predavanja\slika002.png"/>
+          <p:cNvPicPr>
+            <a:picLocks noChangeAspect="1" noChangeArrowheads="1"/>
+          </p:cNvPicPr>
+          <p:nvPr/>
+        </p:nvPicPr>
+        <p:blipFill rotWithShape="1">
+          <a:blip r:embed="rId4">
+            <a:extLst>
+              <a:ext uri="{28A0092B-C50C-407E-A947-70E740481C1C}">
+                <a14:useLocalDpi xmlns:a14="http://schemas.microsoft.com/office/drawing/2010/main" val="0"/>
+              </a:ext>
+            </a:extLst>
+          </a:blip>
+          <a:srcRect r="40970" b="8986"/>
+          <a:stretch/>
+        </p:blipFill>
+        <p:spPr bwMode="auto">
+          <a:xfrm>
+            <a:off x="1067268" y="2821653"/>
+            <a:ext cx="4030482" cy="3495952"/>
+          </a:xfrm>
+          <a:prstGeom prst="rect">
+            <a:avLst/>
+          </a:prstGeom>
+          <a:noFill/>
+          <a:extLst>
+            <a:ext uri="{909E8E84-426E-40DD-AFC4-6F175D3DCCD1}">
+              <a14:hiddenFill xmlns:a14="http://schemas.microsoft.com/office/drawing/2010/main">
+                <a:solidFill>
+                  <a:srgbClr val="FFFFFF"/>
+                </a:solidFill>
+              </a14:hiddenFill>
+            </a:ext>
+          </a:extLst>
+        </p:spPr>
+      </p:pic>
     </p:spTree>
     <p:extLst>
       <p:ext uri="{BB962C8B-B14F-4D97-AF65-F5344CB8AC3E}">
-        <p14:creationId xmlns:p14="http://schemas.microsoft.com/office/powerpoint/2010/main" val="3506013985"/>
+        <p14:creationId xmlns:p14="http://schemas.microsoft.com/office/powerpoint/2010/main" val="102830211"/>
       </p:ext>
     </p:extLst>
   </p:cSld>
@@ -43679,7 +43536,7 @@
           <a:p>
             <a:pPr eaLnBrk="1" hangingPunct="1"/>
             <a:r>
-              <a:rPr lang="sr-Latn-RS" altLang="en-US" sz="3200" dirty="0">
+              <a:rPr lang="sr-Latn-RS" altLang="en-US" sz="3200" dirty="0" smtClean="0">
                 <a:solidFill>
                   <a:schemeClr val="hlink"/>
                 </a:solidFill>
@@ -43687,7 +43544,7 @@
               <a:t>Hijerarhijska struktura </a:t>
             </a:r>
             <a:r>
-              <a:rPr lang="sv-SE" altLang="en-US" sz="3200" dirty="0">
+              <a:rPr lang="sv-SE" altLang="en-US" sz="3200" dirty="0" smtClean="0">
                 <a:solidFill>
                   <a:schemeClr val="hlink"/>
                 </a:solidFill>
@@ -43695,20 +43552,36 @@
               <a:t>IP</a:t>
             </a:r>
             <a:r>
-              <a:rPr lang="sr-Latn-RS" altLang="en-US" sz="3200" dirty="0">
+              <a:rPr lang="sr-Latn-RS" altLang="en-US" sz="3200" dirty="0" smtClean="0">
                 <a:solidFill>
                   <a:schemeClr val="hlink"/>
                 </a:solidFill>
               </a:rPr>
+              <a:t> adresa</a:t>
+            </a:r>
+            <a:r>
+              <a:rPr lang="en-US" altLang="en-US" sz="3200" dirty="0" smtClean="0">
+                <a:solidFill>
+                  <a:schemeClr val="hlink"/>
+                </a:solidFill>
+              </a:rPr>
               <a:t> </a:t>
             </a:r>
             <a:r>
+              <a:rPr lang="en-US" altLang="en-US" sz="3200" dirty="0" smtClean="0">
+                <a:solidFill>
+                  <a:schemeClr val="hlink"/>
+                </a:solidFill>
+              </a:rPr>
+              <a:t>(</a:t>
+            </a:r>
+            <a:r>
               <a:rPr lang="sr-Latn-RS" altLang="en-US" sz="3200" dirty="0" smtClean="0">
                 <a:solidFill>
                   <a:schemeClr val="hlink"/>
                 </a:solidFill>
               </a:rPr>
-              <a:t>adresa</a:t>
+              <a:t>5</a:t>
             </a:r>
             <a:r>
               <a:rPr lang="en-US" altLang="en-US" sz="3200" dirty="0" smtClean="0">
@@ -43716,45 +43589,15 @@
                   <a:schemeClr val="hlink"/>
                 </a:solidFill>
               </a:rPr>
-              <a:t> (2)</a:t>
+              <a:t>)</a:t>
             </a:r>
             <a:endParaRPr lang="en-US" altLang="en-US" b="1" dirty="0" smtClean="0"/>
-          </a:p>
-        </p:txBody>
-      </p:sp>
-      <p:sp>
-        <p:nvSpPr>
-          <p:cNvPr id="29701" name="Rectangle 3"/>
-          <p:cNvSpPr>
-            <a:spLocks noGrp="1" noChangeArrowheads="1"/>
-          </p:cNvSpPr>
-          <p:nvPr>
-            <p:ph idx="1"/>
-          </p:nvPr>
-        </p:nvSpPr>
-        <p:spPr>
-          <a:xfrm>
-            <a:off x="326125" y="6021288"/>
-            <a:ext cx="8712522" cy="296317"/>
-          </a:xfrm>
-        </p:spPr>
-        <p:txBody>
-          <a:bodyPr/>
-          <a:lstStyle/>
-          <a:p>
-            <a:pPr marL="0" lvl="2" indent="0" algn="ctr" eaLnBrk="1" hangingPunct="1">
-              <a:buNone/>
-            </a:pPr>
-            <a:r>
-              <a:rPr lang="sr-Latn-RS" altLang="en-US" sz="1200" dirty="0" smtClean="0"/>
-              <a:t>IP adresa računara sa čiji je broj dat na prethodnom slajdu</a:t>
-            </a:r>
           </a:p>
         </p:txBody>
       </p:sp>
       <p:pic>
         <p:nvPicPr>
-          <p:cNvPr id="3074" name="Picture 2" descr="C:\Courses\Matf UVIT 2015-16\Predavanja\slika001.png"/>
+          <p:cNvPr id="11266" name="Picture 2"/>
           <p:cNvPicPr>
             <a:picLocks noChangeAspect="1" noChangeArrowheads="1"/>
           </p:cNvPicPr>
@@ -43768,72 +43611,173 @@
               </a:ext>
             </a:extLst>
           </a:blip>
-          <a:srcRect r="54916" b="10965"/>
+          <a:srcRect t="2933" r="1575" b="3155"/>
           <a:stretch/>
         </p:blipFill>
         <p:spPr bwMode="auto">
           <a:xfrm>
-            <a:off x="4980524" y="1855752"/>
-            <a:ext cx="3623924" cy="4026196"/>
+            <a:off x="2123728" y="2974993"/>
+            <a:ext cx="5509774" cy="3777500"/>
           </a:xfrm>
           <a:prstGeom prst="rect">
             <a:avLst/>
           </a:prstGeom>
           <a:noFill/>
+          <a:ln>
+            <a:noFill/>
+          </a:ln>
           <a:extLst>
             <a:ext uri="{909E8E84-426E-40DD-AFC4-6F175D3DCCD1}">
               <a14:hiddenFill xmlns:a14="http://schemas.microsoft.com/office/drawing/2010/main">
                 <a:solidFill>
-                  <a:srgbClr val="FFFFFF"/>
+                  <a:schemeClr val="accent1"/>
                 </a:solidFill>
               </a14:hiddenFill>
+            </a:ext>
+            <a:ext uri="{91240B29-F687-4F45-9708-019B960494DF}">
+              <a14:hiddenLine xmlns:a14="http://schemas.microsoft.com/office/drawing/2010/main" w="9525">
+                <a:solidFill>
+                  <a:schemeClr val="tx1"/>
+                </a:solidFill>
+                <a:miter lim="800000"/>
+                <a:headEnd/>
+                <a:tailEnd/>
+              </a14:hiddenLine>
             </a:ext>
           </a:extLst>
         </p:spPr>
       </p:pic>
-      <p:pic>
-        <p:nvPicPr>
-          <p:cNvPr id="3075" name="Picture 3" descr="C:\Courses\Matf UVIT 2015-16\Predavanja\slika002.png"/>
-          <p:cNvPicPr>
-            <a:picLocks noChangeAspect="1" noChangeArrowheads="1"/>
-          </p:cNvPicPr>
-          <p:nvPr/>
-        </p:nvPicPr>
-        <p:blipFill rotWithShape="1">
-          <a:blip r:embed="rId4">
-            <a:extLst>
-              <a:ext uri="{28A0092B-C50C-407E-A947-70E740481C1C}">
-                <a14:useLocalDpi xmlns:a14="http://schemas.microsoft.com/office/drawing/2010/main" val="0"/>
-              </a:ext>
-            </a:extLst>
-          </a:blip>
-          <a:srcRect r="40970" b="8986"/>
-          <a:stretch/>
-        </p:blipFill>
-        <p:spPr bwMode="auto">
+      <p:sp>
+        <p:nvSpPr>
+          <p:cNvPr id="29701" name="Rectangle 3"/>
+          <p:cNvSpPr>
+            <a:spLocks noGrp="1" noChangeArrowheads="1"/>
+          </p:cNvSpPr>
+          <p:nvPr>
+            <p:ph idx="1"/>
+          </p:nvPr>
+        </p:nvSpPr>
+        <p:spPr>
           <a:xfrm>
-            <a:off x="326125" y="1844824"/>
-            <a:ext cx="4654399" cy="4037124"/>
+            <a:off x="323529" y="1476499"/>
+            <a:ext cx="8712522" cy="2168525"/>
           </a:xfrm>
-          <a:prstGeom prst="rect">
-            <a:avLst/>
-          </a:prstGeom>
-          <a:noFill/>
-          <a:extLst>
-            <a:ext uri="{909E8E84-426E-40DD-AFC4-6F175D3DCCD1}">
-              <a14:hiddenFill xmlns:a14="http://schemas.microsoft.com/office/drawing/2010/main">
-                <a:solidFill>
-                  <a:srgbClr val="FFFFFF"/>
-                </a:solidFill>
-              </a14:hiddenFill>
-            </a:ext>
-          </a:extLst>
         </p:spPr>
-      </p:pic>
+        <p:txBody>
+          <a:bodyPr/>
+          <a:lstStyle/>
+          <a:p>
+            <a:pPr marL="857250" lvl="1" indent="-457200" eaLnBrk="1" hangingPunct="1"/>
+            <a:r>
+              <a:rPr lang="sr-Latn-RS" altLang="en-US" dirty="0"/>
+              <a:t>U okviru svake </a:t>
+            </a:r>
+            <a:r>
+              <a:rPr lang="sr-Latn-RS" altLang="en-US" dirty="0" smtClean="0"/>
+              <a:t>mre</a:t>
+            </a:r>
+            <a:r>
+              <a:rPr lang="sr-Latn-RS" altLang="en-US" dirty="0"/>
+              <a:t>ž</a:t>
+            </a:r>
+            <a:r>
+              <a:rPr lang="sr-Latn-RS" altLang="en-US" dirty="0" smtClean="0"/>
+              <a:t>e </a:t>
+            </a:r>
+            <a:r>
+              <a:rPr lang="sr-Latn-RS" altLang="en-US" dirty="0"/>
+              <a:t>postoje dve adrese sa specijalnom namenom:</a:t>
+            </a:r>
+          </a:p>
+          <a:p>
+            <a:pPr marL="1257300" lvl="2" indent="-457200" eaLnBrk="1" hangingPunct="1"/>
+            <a:r>
+              <a:rPr lang="sr-Latn-RS" altLang="en-US" dirty="0"/>
+              <a:t>prva adresa (250.150.100.0) smatra se adresom </a:t>
+            </a:r>
+            <a:r>
+              <a:rPr lang="sr-Latn-RS" altLang="en-US" dirty="0" smtClean="0"/>
+              <a:t>mre</a:t>
+            </a:r>
+            <a:r>
+              <a:rPr lang="sr-Latn-RS" altLang="en-US" dirty="0"/>
+              <a:t>ž</a:t>
+            </a:r>
+            <a:r>
+              <a:rPr lang="sr-Latn-RS" altLang="en-US" dirty="0" smtClean="0"/>
+              <a:t>e</a:t>
+            </a:r>
+            <a:endParaRPr lang="sr-Latn-RS" altLang="en-US" dirty="0"/>
+          </a:p>
+          <a:p>
+            <a:pPr marL="1257300" lvl="2" indent="-457200" eaLnBrk="1" hangingPunct="1"/>
+            <a:r>
+              <a:rPr lang="sr-Latn-RS" altLang="en-US" dirty="0"/>
+              <a:t>poslednja adresa (250.150.100.255) </a:t>
+            </a:r>
+            <a:r>
+              <a:rPr lang="sr-Latn-RS" altLang="en-US" dirty="0" smtClean="0"/>
+              <a:t>- adresa </a:t>
+            </a:r>
+            <a:r>
+              <a:rPr lang="sr-Latn-RS" altLang="en-US" dirty="0"/>
+              <a:t>za javno </a:t>
+            </a:r>
+            <a:r>
+              <a:rPr lang="sr-Latn-RS" altLang="en-US" dirty="0" smtClean="0"/>
+              <a:t>emitovanje (</a:t>
+            </a:r>
+            <a:r>
+              <a:rPr lang="sr-Latn-RS" altLang="en-US" dirty="0" err="1"/>
+              <a:t>broadcast</a:t>
+            </a:r>
+            <a:r>
+              <a:rPr lang="sr-Latn-RS" altLang="en-US" dirty="0"/>
+              <a:t> </a:t>
+            </a:r>
+            <a:r>
+              <a:rPr lang="sr-Latn-RS" altLang="en-US" dirty="0" err="1"/>
+              <a:t>address</a:t>
+            </a:r>
+            <a:r>
+              <a:rPr lang="sr-Latn-RS" altLang="en-US" dirty="0"/>
+              <a:t>) </a:t>
+            </a:r>
+            <a:r>
+              <a:rPr lang="sr-Latn-RS" altLang="en-US" dirty="0" smtClean="0"/>
+              <a:t>- </a:t>
+            </a:r>
+            <a:r>
+              <a:rPr lang="sr-Latn-RS" altLang="en-US" dirty="0"/>
+              <a:t>svaka poruka poslata na tu adresu dostavlja </a:t>
+            </a:r>
+            <a:r>
+              <a:rPr lang="sr-Latn-RS" altLang="en-US" dirty="0" smtClean="0"/>
+              <a:t>se svim uređ</a:t>
+            </a:r>
+            <a:r>
+              <a:rPr lang="sr-Latn-RS" altLang="en-US" dirty="0"/>
+              <a:t>ajima u </a:t>
+            </a:r>
+            <a:r>
+              <a:rPr lang="sr-Latn-RS" altLang="en-US" dirty="0" smtClean="0"/>
+              <a:t>mre</a:t>
+            </a:r>
+            <a:r>
+              <a:rPr lang="sr-Latn-RS" altLang="en-US" dirty="0"/>
+              <a:t>ž</a:t>
+            </a:r>
+            <a:r>
+              <a:rPr lang="sr-Latn-RS" altLang="en-US" dirty="0" smtClean="0"/>
+              <a:t>i</a:t>
+            </a:r>
+          </a:p>
+        </p:txBody>
+      </p:sp>
     </p:spTree>
     <p:extLst>
       <p:ext uri="{BB962C8B-B14F-4D97-AF65-F5344CB8AC3E}">
-        <p14:creationId xmlns:p14="http://schemas.microsoft.com/office/powerpoint/2010/main" val="1181727902"/>
+        <p14:creationId xmlns:p14="http://schemas.microsoft.com/office/powerpoint/2010/main" val="179813281"/>
       </p:ext>
     </p:extLst>
   </p:cSld>
@@ -44267,44 +44211,242 @@
           <a:p>
             <a:pPr eaLnBrk="1" hangingPunct="1"/>
             <a:r>
+              <a:rPr lang="sv-SE" altLang="en-US" sz="3200" dirty="0" smtClean="0">
+                <a:solidFill>
+                  <a:schemeClr val="hlink"/>
+                </a:solidFill>
+              </a:rPr>
+              <a:t>IP</a:t>
+            </a:r>
+            <a:r>
               <a:rPr lang="sr-Latn-RS" altLang="en-US" sz="3200" dirty="0" smtClean="0">
                 <a:solidFill>
                   <a:schemeClr val="hlink"/>
                 </a:solidFill>
               </a:rPr>
-              <a:t>Hijerarhijska struktura </a:t>
-            </a:r>
-            <a:r>
-              <a:rPr lang="sv-SE" altLang="en-US" sz="3200" dirty="0" smtClean="0">
-                <a:solidFill>
-                  <a:schemeClr val="hlink"/>
-                </a:solidFill>
-              </a:rPr>
-              <a:t>IP</a:t>
-            </a:r>
-            <a:r>
-              <a:rPr lang="sr-Latn-RS" altLang="en-US" sz="3200" dirty="0" smtClean="0">
-                <a:solidFill>
-                  <a:schemeClr val="hlink"/>
-                </a:solidFill>
-              </a:rPr>
-              <a:t> adresa</a:t>
-            </a:r>
-            <a:r>
-              <a:rPr lang="en-US" altLang="en-US" sz="3200" dirty="0" smtClean="0">
-                <a:solidFill>
-                  <a:schemeClr val="hlink"/>
-                </a:solidFill>
-              </a:rPr>
-              <a:t> (3)</a:t>
+              <a:t> adrese i DHCP</a:t>
             </a:r>
             <a:endParaRPr lang="en-US" altLang="en-US" b="1" dirty="0" smtClean="0"/>
+          </a:p>
+        </p:txBody>
+      </p:sp>
+      <p:sp>
+        <p:nvSpPr>
+          <p:cNvPr id="29701" name="Rectangle 3"/>
+          <p:cNvSpPr>
+            <a:spLocks noGrp="1" noChangeArrowheads="1"/>
+          </p:cNvSpPr>
+          <p:nvPr>
+            <p:ph idx="1"/>
+          </p:nvPr>
+        </p:nvSpPr>
+        <p:spPr>
+          <a:xfrm>
+            <a:off x="323529" y="1476499"/>
+            <a:ext cx="8712522" cy="2168525"/>
+          </a:xfrm>
+        </p:spPr>
+        <p:txBody>
+          <a:bodyPr/>
+          <a:lstStyle/>
+          <a:p>
+            <a:pPr marL="857250" lvl="1" indent="-457200" eaLnBrk="1" hangingPunct="1"/>
+            <a:r>
+              <a:rPr lang="sr-Latn-RS" altLang="en-US" dirty="0" smtClean="0"/>
+              <a:t>Dinamičke </a:t>
+            </a:r>
+            <a:r>
+              <a:rPr lang="sr-Latn-RS" altLang="en-US" dirty="0"/>
+              <a:t>IP </a:t>
+            </a:r>
+            <a:r>
+              <a:rPr lang="sr-Latn-RS" altLang="en-US" dirty="0" smtClean="0"/>
+              <a:t>adrese se </a:t>
+            </a:r>
+            <a:r>
+              <a:rPr lang="sr-Latn-RS" altLang="en-US" dirty="0"/>
+              <a:t>dodeljuju </a:t>
+            </a:r>
+            <a:r>
+              <a:rPr lang="sr-Latn-RS" altLang="en-US" dirty="0" smtClean="0"/>
+              <a:t>korišćenjem </a:t>
+            </a:r>
+            <a:r>
+              <a:rPr lang="sr-Latn-RS" altLang="en-US" dirty="0"/>
+              <a:t>specijalizovanog protokola za </a:t>
+            </a:r>
+            <a:r>
+              <a:rPr lang="sr-Latn-RS" altLang="en-US" dirty="0" smtClean="0"/>
+              <a:t>dinami</a:t>
+            </a:r>
+            <a:r>
+              <a:rPr lang="sr-Latn-RS" altLang="en-US" dirty="0"/>
+              <a:t>č</a:t>
+            </a:r>
+            <a:r>
+              <a:rPr lang="sr-Latn-RS" altLang="en-US" dirty="0" smtClean="0"/>
+              <a:t>ku konfiguraciju (Dynamic </a:t>
+            </a:r>
+            <a:r>
+              <a:rPr lang="sr-Latn-RS" altLang="en-US" dirty="0"/>
+              <a:t>Host Configuration Protocol </a:t>
+            </a:r>
+            <a:r>
+              <a:rPr lang="sr-Latn-RS" altLang="en-US" dirty="0" smtClean="0"/>
+              <a:t>- </a:t>
+            </a:r>
+            <a:r>
+              <a:rPr lang="sr-Latn-RS" altLang="en-US" dirty="0">
+                <a:solidFill>
+                  <a:srgbClr val="002060"/>
+                </a:solidFill>
+              </a:rPr>
+              <a:t>DHCP</a:t>
+            </a:r>
+            <a:r>
+              <a:rPr lang="sr-Latn-RS" altLang="en-US" dirty="0" smtClean="0"/>
+              <a:t>) </a:t>
+            </a:r>
+          </a:p>
+          <a:p>
+            <a:pPr marL="857250" lvl="1" indent="-457200" eaLnBrk="1" hangingPunct="1"/>
+            <a:r>
+              <a:rPr lang="sr-Latn-RS" altLang="en-US" dirty="0" smtClean="0"/>
+              <a:t>Specijalizovani server (</a:t>
+            </a:r>
+            <a:r>
+              <a:rPr lang="sr-Latn-RS" altLang="en-US" dirty="0"/>
+              <a:t>tzv. DHCP server) je </a:t>
+            </a:r>
+            <a:r>
+              <a:rPr lang="sr-Latn-RS" altLang="en-US" dirty="0" smtClean="0"/>
+              <a:t>zadužen </a:t>
+            </a:r>
+            <a:r>
+              <a:rPr lang="sr-Latn-RS" altLang="en-US" dirty="0"/>
+              <a:t>za skup IP adresa koje odreduje </a:t>
+            </a:r>
+            <a:r>
+              <a:rPr lang="sr-Latn-RS" altLang="en-US" dirty="0" smtClean="0"/>
+              <a:t>administrator mreže </a:t>
+            </a:r>
+            <a:r>
+              <a:rPr lang="sr-Latn-RS" altLang="en-US" dirty="0"/>
+              <a:t>i na zahtev uredaja koji se </a:t>
+            </a:r>
+            <a:r>
+              <a:rPr lang="sr-Latn-RS" altLang="en-US" dirty="0" smtClean="0"/>
+              <a:t>priklju</a:t>
+            </a:r>
+            <a:r>
+              <a:rPr lang="sr-Latn-RS" altLang="en-US" dirty="0"/>
+              <a:t>č</a:t>
+            </a:r>
+            <a:r>
+              <a:rPr lang="sr-Latn-RS" altLang="en-US" dirty="0" smtClean="0"/>
+              <a:t>uje </a:t>
+            </a:r>
+            <a:r>
+              <a:rPr lang="sr-Latn-RS" altLang="en-US" dirty="0"/>
+              <a:t>na </a:t>
+            </a:r>
+            <a:r>
+              <a:rPr lang="sr-Latn-RS" altLang="en-US" dirty="0" smtClean="0"/>
+              <a:t>mre</a:t>
+            </a:r>
+            <a:r>
+              <a:rPr lang="sr-Latn-RS" altLang="en-US" dirty="0"/>
+              <a:t>ž</a:t>
+            </a:r>
+            <a:r>
+              <a:rPr lang="sr-Latn-RS" altLang="en-US" dirty="0" smtClean="0"/>
+              <a:t>u </a:t>
+            </a:r>
+            <a:r>
+              <a:rPr lang="sr-Latn-RS" altLang="en-US" dirty="0"/>
+              <a:t>dodeljuje mu neku u </a:t>
+            </a:r>
+            <a:r>
+              <a:rPr lang="sr-Latn-RS" altLang="en-US" dirty="0" smtClean="0"/>
+              <a:t>tom trenutku </a:t>
+            </a:r>
+            <a:r>
+              <a:rPr lang="sr-Latn-RS" altLang="en-US" dirty="0"/>
+              <a:t>slobodnu </a:t>
+            </a:r>
+            <a:r>
+              <a:rPr lang="sr-Latn-RS" altLang="en-US" dirty="0" smtClean="0"/>
+              <a:t>adresu </a:t>
+            </a:r>
+          </a:p>
+          <a:p>
+            <a:pPr marL="857250" lvl="1" indent="-457200" eaLnBrk="1" hangingPunct="1"/>
+            <a:r>
+              <a:rPr lang="sr-Latn-RS" altLang="en-US" dirty="0" smtClean="0"/>
+              <a:t>Server </a:t>
+            </a:r>
+            <a:r>
+              <a:rPr lang="sr-Latn-RS" altLang="en-US" dirty="0"/>
+              <a:t>se </a:t>
+            </a:r>
+            <a:r>
+              <a:rPr lang="sr-Latn-RS" altLang="en-US" dirty="0" smtClean="0"/>
+              <a:t>mo</a:t>
+            </a:r>
+            <a:r>
+              <a:rPr lang="sr-Latn-RS" altLang="en-US" dirty="0"/>
+              <a:t>ž</a:t>
+            </a:r>
+            <a:r>
+              <a:rPr lang="sr-Latn-RS" altLang="en-US" dirty="0" smtClean="0"/>
+              <a:t>e </a:t>
+            </a:r>
+            <a:r>
+              <a:rPr lang="sr-Latn-RS" altLang="en-US" dirty="0"/>
+              <a:t>konfigurisati tako da dodeljuje </a:t>
+            </a:r>
+            <a:r>
+              <a:rPr lang="sr-Latn-RS" altLang="en-US" dirty="0" smtClean="0"/>
+              <a:t>bilo koju </a:t>
+            </a:r>
+            <a:r>
+              <a:rPr lang="sr-Latn-RS" altLang="en-US" dirty="0"/>
+              <a:t>slobodnu IP adresu, </a:t>
+            </a:r>
+            <a:r>
+              <a:rPr lang="sr-Latn-RS" altLang="en-US" dirty="0" smtClean="0"/>
+              <a:t>ili uvek </a:t>
+            </a:r>
+            <a:r>
+              <a:rPr lang="sr-Latn-RS" altLang="en-US" dirty="0"/>
+              <a:t>istu adresu koja se odreduje na osnovu </a:t>
+            </a:r>
+            <a:r>
+              <a:rPr lang="sr-Latn-RS" altLang="en-US" dirty="0" smtClean="0"/>
+              <a:t>MAC adrese </a:t>
+            </a:r>
+            <a:r>
+              <a:rPr lang="sr-Latn-RS" altLang="en-US" dirty="0"/>
+              <a:t>uredaja koji zahteva IP </a:t>
+            </a:r>
+            <a:r>
+              <a:rPr lang="sr-Latn-RS" altLang="en-US" dirty="0" smtClean="0"/>
+              <a:t>adresu, </a:t>
+            </a:r>
+            <a:r>
+              <a:rPr lang="sr-Latn-RS" altLang="en-US" dirty="0"/>
+              <a:t>i </a:t>
+            </a:r>
+            <a:r>
+              <a:rPr lang="sr-Latn-RS" altLang="en-US" dirty="0" smtClean="0"/>
+              <a:t>slično</a:t>
+            </a:r>
           </a:p>
         </p:txBody>
       </p:sp>
       <p:pic>
         <p:nvPicPr>
-          <p:cNvPr id="11266" name="Picture 2"/>
+          <p:cNvPr id="10242" name="Picture 2"/>
           <p:cNvPicPr>
             <a:picLocks noChangeAspect="1" noChangeArrowheads="1"/>
           </p:cNvPicPr>
@@ -44318,13 +44460,13 @@
               </a:ext>
             </a:extLst>
           </a:blip>
-          <a:srcRect t="2933" r="1575" b="3155"/>
+          <a:srcRect t="4240" r="1710" b="3849"/>
           <a:stretch/>
         </p:blipFill>
         <p:spPr bwMode="auto">
           <a:xfrm>
-            <a:off x="2123728" y="2974993"/>
-            <a:ext cx="5509774" cy="3777500"/>
+            <a:off x="4905443" y="4732774"/>
+            <a:ext cx="4138073" cy="2039815"/>
           </a:xfrm>
           <a:prstGeom prst="rect">
             <a:avLst/>
@@ -44354,137 +44496,10 @@
           </a:extLst>
         </p:spPr>
       </p:pic>
-      <p:sp>
-        <p:nvSpPr>
-          <p:cNvPr id="29701" name="Rectangle 3"/>
-          <p:cNvSpPr>
-            <a:spLocks noGrp="1" noChangeArrowheads="1"/>
-          </p:cNvSpPr>
-          <p:nvPr>
-            <p:ph idx="1"/>
-          </p:nvPr>
-        </p:nvSpPr>
-        <p:spPr>
-          <a:xfrm>
-            <a:off x="323529" y="1476499"/>
-            <a:ext cx="8712522" cy="2168525"/>
-          </a:xfrm>
-        </p:spPr>
-        <p:txBody>
-          <a:bodyPr/>
-          <a:lstStyle/>
-          <a:p>
-            <a:pPr marL="857250" lvl="1" indent="-457200" eaLnBrk="1" hangingPunct="1"/>
-            <a:r>
-              <a:rPr lang="sr-Latn-RS" altLang="en-US" dirty="0"/>
-              <a:t>U okviru svake </a:t>
-            </a:r>
-            <a:r>
-              <a:rPr lang="sr-Latn-RS" altLang="en-US" dirty="0" smtClean="0"/>
-              <a:t>mre</a:t>
-            </a:r>
-            <a:r>
-              <a:rPr lang="sr-Latn-RS" altLang="en-US" dirty="0"/>
-              <a:t>ž</a:t>
-            </a:r>
-            <a:r>
-              <a:rPr lang="sr-Latn-RS" altLang="en-US" dirty="0" smtClean="0"/>
-              <a:t>e </a:t>
-            </a:r>
-            <a:r>
-              <a:rPr lang="sr-Latn-RS" altLang="en-US" dirty="0"/>
-              <a:t>postoje dve adrese sa specijalnom namenom:</a:t>
-            </a:r>
-          </a:p>
-          <a:p>
-            <a:pPr marL="1257300" lvl="2" indent="-457200" eaLnBrk="1" hangingPunct="1"/>
-            <a:r>
-              <a:rPr lang="sr-Latn-RS" altLang="en-US" dirty="0"/>
-              <a:t>prva adresa (250.150.100.0) smatra se adresom </a:t>
-            </a:r>
-            <a:r>
-              <a:rPr lang="sr-Latn-RS" altLang="en-US" dirty="0" smtClean="0"/>
-              <a:t>mre</a:t>
-            </a:r>
-            <a:r>
-              <a:rPr lang="sr-Latn-RS" altLang="en-US" dirty="0"/>
-              <a:t>ž</a:t>
-            </a:r>
-            <a:r>
-              <a:rPr lang="sr-Latn-RS" altLang="en-US" dirty="0" smtClean="0"/>
-              <a:t>e</a:t>
-            </a:r>
-            <a:endParaRPr lang="sr-Latn-RS" altLang="en-US" dirty="0"/>
-          </a:p>
-          <a:p>
-            <a:pPr marL="1257300" lvl="2" indent="-457200" eaLnBrk="1" hangingPunct="1"/>
-            <a:r>
-              <a:rPr lang="sr-Latn-RS" altLang="en-US" dirty="0"/>
-              <a:t>poslednja adresa (250.150.100.255) </a:t>
-            </a:r>
-            <a:r>
-              <a:rPr lang="sr-Latn-RS" altLang="en-US" dirty="0" smtClean="0"/>
-              <a:t>- adresa </a:t>
-            </a:r>
-            <a:r>
-              <a:rPr lang="sr-Latn-RS" altLang="en-US" dirty="0"/>
-              <a:t>za javno </a:t>
-            </a:r>
-            <a:r>
-              <a:rPr lang="sr-Latn-RS" altLang="en-US" dirty="0" smtClean="0"/>
-              <a:t>emitovanje (</a:t>
-            </a:r>
-            <a:r>
-              <a:rPr lang="sr-Latn-RS" altLang="en-US" dirty="0" err="1"/>
-              <a:t>broadcast</a:t>
-            </a:r>
-            <a:r>
-              <a:rPr lang="sr-Latn-RS" altLang="en-US" dirty="0"/>
-              <a:t> </a:t>
-            </a:r>
-            <a:r>
-              <a:rPr lang="sr-Latn-RS" altLang="en-US" dirty="0" err="1"/>
-              <a:t>address</a:t>
-            </a:r>
-            <a:r>
-              <a:rPr lang="sr-Latn-RS" altLang="en-US" dirty="0"/>
-              <a:t>) </a:t>
-            </a:r>
-            <a:r>
-              <a:rPr lang="sr-Latn-RS" altLang="en-US" dirty="0" smtClean="0"/>
-              <a:t>- </a:t>
-            </a:r>
-            <a:r>
-              <a:rPr lang="sr-Latn-RS" altLang="en-US" dirty="0"/>
-              <a:t>svaka poruka poslata na tu adresu dostavlja </a:t>
-            </a:r>
-            <a:r>
-              <a:rPr lang="sr-Latn-RS" altLang="en-US" dirty="0" smtClean="0"/>
-              <a:t>se svim uređ</a:t>
-            </a:r>
-            <a:r>
-              <a:rPr lang="sr-Latn-RS" altLang="en-US" dirty="0"/>
-              <a:t>ajima u </a:t>
-            </a:r>
-            <a:r>
-              <a:rPr lang="sr-Latn-RS" altLang="en-US" dirty="0" smtClean="0"/>
-              <a:t>mre</a:t>
-            </a:r>
-            <a:r>
-              <a:rPr lang="sr-Latn-RS" altLang="en-US" dirty="0"/>
-              <a:t>ž</a:t>
-            </a:r>
-            <a:r>
-              <a:rPr lang="sr-Latn-RS" altLang="en-US" dirty="0" smtClean="0"/>
-              <a:t>i</a:t>
-            </a:r>
-          </a:p>
-        </p:txBody>
-      </p:sp>
     </p:spTree>
     <p:extLst>
       <p:ext uri="{BB962C8B-B14F-4D97-AF65-F5344CB8AC3E}">
-        <p14:creationId xmlns:p14="http://schemas.microsoft.com/office/powerpoint/2010/main" val="179813281"/>
+        <p14:creationId xmlns:p14="http://schemas.microsoft.com/office/powerpoint/2010/main" val="1436100307"/>
       </p:ext>
     </p:extLst>
   </p:cSld>
@@ -46964,8 +46979,29 @@
             </a:r>
             <a:r>
               <a:rPr lang="sr-Latn-RS" altLang="en-US" dirty="0"/>
-              <a:t>su poslati). S obzirom da niˇzi mreˇzni slojevi ne garantuju dostavu paketa,</a:t>
-            </a:r>
+              <a:t>su poslati). S obzirom da </a:t>
+            </a:r>
+            <a:r>
+              <a:rPr lang="sr-Latn-RS" altLang="en-US" dirty="0" smtClean="0"/>
+              <a:t>niži mre</a:t>
+            </a:r>
+            <a:r>
+              <a:rPr lang="sr-Latn-RS" altLang="en-US" dirty="0"/>
+              <a:t>ž</a:t>
+            </a:r>
+            <a:r>
+              <a:rPr lang="sr-Latn-RS" altLang="en-US" dirty="0" smtClean="0"/>
+              <a:t>ni </a:t>
+            </a:r>
+            <a:r>
+              <a:rPr lang="sr-Latn-RS" altLang="en-US" dirty="0"/>
+              <a:t>slojevi ne garantuju dostavu </a:t>
+            </a:r>
+            <a:r>
+              <a:rPr lang="sr-Latn-RS" altLang="en-US" dirty="0" smtClean="0"/>
+              <a:t>paketa:</a:t>
+            </a:r>
+            <a:endParaRPr lang="sr-Latn-RS" altLang="en-US" dirty="0"/>
           </a:p>
           <a:p>
             <a:pPr marL="857250" lvl="1" indent="-457200" eaLnBrk="1" hangingPunct="1"/>
@@ -50429,8 +50465,13 @@
             </a:r>
             <a:r>
               <a:rPr lang="sr-Latn-RS" altLang="en-US" dirty="0" smtClean="0"/>
-              <a:t>zasnovana na veb straniama </a:t>
-            </a:r>
+              <a:t>zasnovana na veb </a:t>
+            </a:r>
+            <a:r>
+              <a:rPr lang="sr-Latn-RS" altLang="en-US" dirty="0" smtClean="0"/>
+              <a:t>stranicama </a:t>
+            </a:r>
+            <a:endParaRPr lang="sr-Latn-RS" altLang="en-US" dirty="0" smtClean="0"/>
           </a:p>
           <a:p>
             <a:pPr marL="1257300" lvl="2" indent="-457200" eaLnBrk="1" hangingPunct="1"/>

--- a/predavanja/prezentacije/UVIT01-02-Uvod u Internet.pptx
+++ b/predavanja/prezentacije/UVIT01-02-Uvod u Internet.pptx
@@ -338,7 +338,7 @@
           <a:p>
             <a:fld id="{F07B70C6-757F-4600-A347-5E68BBCA3609}" type="datetimeFigureOut">
               <a:rPr lang="en-US" smtClean="0"/>
-              <a:t>10/6/2018</a:t>
+              <a:t>10/7/2018</a:t>
             </a:fld>
             <a:endParaRPr lang="en-US"/>
           </a:p>
@@ -503,7 +503,7 @@
           <a:p>
             <a:fld id="{6B3683FA-0560-4266-A2CA-8A7D404C35FD}" type="datetimeFigureOut">
               <a:rPr lang="en-US" smtClean="0"/>
-              <a:t>10/6/2018</a:t>
+              <a:t>10/7/2018</a:t>
             </a:fld>
             <a:endParaRPr lang="en-US"/>
           </a:p>
@@ -1245,7 +1245,7 @@
           <a:p>
             <a:fld id="{4F17076B-8A0A-4D88-8A59-70E1D7445D20}" type="slidenum">
               <a:rPr lang="en-US" smtClean="0"/>
-              <a:t>34</a:t>
+              <a:t>33</a:t>
             </a:fld>
             <a:endParaRPr lang="en-US"/>
           </a:p>
@@ -1329,7 +1329,7 @@
           <a:p>
             <a:fld id="{4F17076B-8A0A-4D88-8A59-70E1D7445D20}" type="slidenum">
               <a:rPr lang="en-US" smtClean="0"/>
-              <a:t>35</a:t>
+              <a:t>34</a:t>
             </a:fld>
             <a:endParaRPr lang="en-US"/>
           </a:p>
@@ -1413,7 +1413,7 @@
           <a:p>
             <a:fld id="{4F17076B-8A0A-4D88-8A59-70E1D7445D20}" type="slidenum">
               <a:rPr lang="en-US" smtClean="0"/>
-              <a:t>36</a:t>
+              <a:t>35</a:t>
             </a:fld>
             <a:endParaRPr lang="en-US"/>
           </a:p>
@@ -1497,7 +1497,7 @@
           <a:p>
             <a:fld id="{4F17076B-8A0A-4D88-8A59-70E1D7445D20}" type="slidenum">
               <a:rPr lang="en-US" smtClean="0"/>
-              <a:t>38</a:t>
+              <a:t>36</a:t>
             </a:fld>
             <a:endParaRPr lang="en-US"/>
           </a:p>
@@ -1581,7 +1581,7 @@
           <a:p>
             <a:fld id="{4F17076B-8A0A-4D88-8A59-70E1D7445D20}" type="slidenum">
               <a:rPr lang="en-US" smtClean="0"/>
-              <a:t>39</a:t>
+              <a:t>38</a:t>
             </a:fld>
             <a:endParaRPr lang="en-US"/>
           </a:p>
@@ -1665,7 +1665,7 @@
           <a:p>
             <a:fld id="{4F17076B-8A0A-4D88-8A59-70E1D7445D20}" type="slidenum">
               <a:rPr lang="en-US" smtClean="0"/>
-              <a:t>40</a:t>
+              <a:t>39</a:t>
             </a:fld>
             <a:endParaRPr lang="en-US"/>
           </a:p>
@@ -1749,7 +1749,7 @@
           <a:p>
             <a:fld id="{4F17076B-8A0A-4D88-8A59-70E1D7445D20}" type="slidenum">
               <a:rPr lang="en-US" smtClean="0"/>
-              <a:t>41</a:t>
+              <a:t>40</a:t>
             </a:fld>
             <a:endParaRPr lang="en-US"/>
           </a:p>
@@ -1833,7 +1833,7 @@
           <a:p>
             <a:fld id="{4F17076B-8A0A-4D88-8A59-70E1D7445D20}" type="slidenum">
               <a:rPr lang="en-US" smtClean="0"/>
-              <a:t>42</a:t>
+              <a:t>41</a:t>
             </a:fld>
             <a:endParaRPr lang="en-US"/>
           </a:p>
@@ -1917,7 +1917,7 @@
           <a:p>
             <a:fld id="{4F17076B-8A0A-4D88-8A59-70E1D7445D20}" type="slidenum">
               <a:rPr lang="en-US" smtClean="0"/>
-              <a:t>43</a:t>
+              <a:t>42</a:t>
             </a:fld>
             <a:endParaRPr lang="en-US"/>
           </a:p>
@@ -2001,7 +2001,7 @@
           <a:p>
             <a:fld id="{4F17076B-8A0A-4D88-8A59-70E1D7445D20}" type="slidenum">
               <a:rPr lang="en-US" smtClean="0"/>
-              <a:t>44</a:t>
+              <a:t>43</a:t>
             </a:fld>
             <a:endParaRPr lang="en-US"/>
           </a:p>
@@ -2064,7 +2064,7 @@
           <a:bodyPr/>
           <a:lstStyle/>
           <a:p>
-            <a:endParaRPr lang="en-US" dirty="0"/>
+            <a:endParaRPr lang="sr-Latn-RS" dirty="0"/>
           </a:p>
         </p:txBody>
       </p:sp>
@@ -2085,7 +2085,7 @@
           <a:p>
             <a:fld id="{4F17076B-8A0A-4D88-8A59-70E1D7445D20}" type="slidenum">
               <a:rPr lang="en-US" smtClean="0"/>
-              <a:t>26</a:t>
+              <a:t>20</a:t>
             </a:fld>
             <a:endParaRPr lang="en-US"/>
           </a:p>
@@ -2094,7 +2094,7 @@
     </p:spTree>
     <p:extLst>
       <p:ext uri="{BB962C8B-B14F-4D97-AF65-F5344CB8AC3E}">
-        <p14:creationId xmlns:p14="http://schemas.microsoft.com/office/powerpoint/2010/main" val="109522752"/>
+        <p14:creationId xmlns:p14="http://schemas.microsoft.com/office/powerpoint/2010/main" val="902178310"/>
       </p:ext>
     </p:extLst>
   </p:cSld>
@@ -2169,7 +2169,7 @@
           <a:p>
             <a:fld id="{4F17076B-8A0A-4D88-8A59-70E1D7445D20}" type="slidenum">
               <a:rPr lang="en-US" smtClean="0"/>
-              <a:t>45</a:t>
+              <a:t>44</a:t>
             </a:fld>
             <a:endParaRPr lang="en-US"/>
           </a:p>
@@ -2253,7 +2253,7 @@
           <a:p>
             <a:fld id="{4F17076B-8A0A-4D88-8A59-70E1D7445D20}" type="slidenum">
               <a:rPr lang="en-US" smtClean="0"/>
-              <a:t>46</a:t>
+              <a:t>45</a:t>
             </a:fld>
             <a:endParaRPr lang="en-US"/>
           </a:p>
@@ -2337,7 +2337,7 @@
           <a:p>
             <a:fld id="{4F17076B-8A0A-4D88-8A59-70E1D7445D20}" type="slidenum">
               <a:rPr lang="en-US" smtClean="0"/>
-              <a:t>47</a:t>
+              <a:t>46</a:t>
             </a:fld>
             <a:endParaRPr lang="en-US"/>
           </a:p>
@@ -2421,7 +2421,7 @@
           <a:p>
             <a:fld id="{4F17076B-8A0A-4D88-8A59-70E1D7445D20}" type="slidenum">
               <a:rPr lang="en-US" smtClean="0"/>
-              <a:t>48</a:t>
+              <a:t>47</a:t>
             </a:fld>
             <a:endParaRPr lang="en-US"/>
           </a:p>
@@ -2505,7 +2505,7 @@
           <a:p>
             <a:fld id="{4F17076B-8A0A-4D88-8A59-70E1D7445D20}" type="slidenum">
               <a:rPr lang="en-US" smtClean="0"/>
-              <a:t>49</a:t>
+              <a:t>48</a:t>
             </a:fld>
             <a:endParaRPr lang="en-US"/>
           </a:p>
@@ -2589,7 +2589,7 @@
           <a:p>
             <a:fld id="{4F17076B-8A0A-4D88-8A59-70E1D7445D20}" type="slidenum">
               <a:rPr lang="en-US" smtClean="0"/>
-              <a:t>50</a:t>
+              <a:t>49</a:t>
             </a:fld>
             <a:endParaRPr lang="en-US"/>
           </a:p>
@@ -2673,7 +2673,7 @@
           <a:p>
             <a:fld id="{4F17076B-8A0A-4D88-8A59-70E1D7445D20}" type="slidenum">
               <a:rPr lang="en-US" smtClean="0"/>
-              <a:t>51</a:t>
+              <a:t>50</a:t>
             </a:fld>
             <a:endParaRPr lang="en-US"/>
           </a:p>
@@ -2757,7 +2757,7 @@
           <a:p>
             <a:fld id="{4F17076B-8A0A-4D88-8A59-70E1D7445D20}" type="slidenum">
               <a:rPr lang="en-US" smtClean="0"/>
-              <a:t>52</a:t>
+              <a:t>51</a:t>
             </a:fld>
             <a:endParaRPr lang="en-US"/>
           </a:p>
@@ -2841,7 +2841,7 @@
           <a:p>
             <a:fld id="{4F17076B-8A0A-4D88-8A59-70E1D7445D20}" type="slidenum">
               <a:rPr lang="en-US" smtClean="0"/>
-              <a:t>53</a:t>
+              <a:t>52</a:t>
             </a:fld>
             <a:endParaRPr lang="en-US"/>
           </a:p>
@@ -2925,7 +2925,7 @@
           <a:p>
             <a:fld id="{4F17076B-8A0A-4D88-8A59-70E1D7445D20}" type="slidenum">
               <a:rPr lang="en-US" smtClean="0"/>
-              <a:t>54</a:t>
+              <a:t>53</a:t>
             </a:fld>
             <a:endParaRPr lang="en-US"/>
           </a:p>
@@ -3009,7 +3009,7 @@
           <a:p>
             <a:fld id="{4F17076B-8A0A-4D88-8A59-70E1D7445D20}" type="slidenum">
               <a:rPr lang="en-US" smtClean="0"/>
-              <a:t>27</a:t>
+              <a:t>26</a:t>
             </a:fld>
             <a:endParaRPr lang="en-US"/>
           </a:p>
@@ -3093,7 +3093,7 @@
           <a:p>
             <a:fld id="{4F17076B-8A0A-4D88-8A59-70E1D7445D20}" type="slidenum">
               <a:rPr lang="en-US" smtClean="0"/>
-              <a:t>55</a:t>
+              <a:t>54</a:t>
             </a:fld>
             <a:endParaRPr lang="en-US"/>
           </a:p>
@@ -3177,7 +3177,7 @@
           <a:p>
             <a:fld id="{4F17076B-8A0A-4D88-8A59-70E1D7445D20}" type="slidenum">
               <a:rPr lang="en-US" smtClean="0"/>
-              <a:t>56</a:t>
+              <a:t>55</a:t>
             </a:fld>
             <a:endParaRPr lang="en-US"/>
           </a:p>
@@ -3261,7 +3261,7 @@
           <a:p>
             <a:fld id="{4F17076B-8A0A-4D88-8A59-70E1D7445D20}" type="slidenum">
               <a:rPr lang="en-US" smtClean="0"/>
-              <a:t>57</a:t>
+              <a:t>56</a:t>
             </a:fld>
             <a:endParaRPr lang="en-US"/>
           </a:p>
@@ -3345,7 +3345,7 @@
           <a:p>
             <a:fld id="{4F17076B-8A0A-4D88-8A59-70E1D7445D20}" type="slidenum">
               <a:rPr lang="en-US" smtClean="0"/>
-              <a:t>58</a:t>
+              <a:t>57</a:t>
             </a:fld>
             <a:endParaRPr lang="en-US"/>
           </a:p>
@@ -3429,7 +3429,7 @@
           <a:p>
             <a:fld id="{4F17076B-8A0A-4D88-8A59-70E1D7445D20}" type="slidenum">
               <a:rPr lang="en-US" smtClean="0"/>
-              <a:t>59</a:t>
+              <a:t>58</a:t>
             </a:fld>
             <a:endParaRPr lang="en-US"/>
           </a:p>
@@ -3513,7 +3513,7 @@
           <a:p>
             <a:fld id="{4F17076B-8A0A-4D88-8A59-70E1D7445D20}" type="slidenum">
               <a:rPr lang="en-US" smtClean="0"/>
-              <a:t>60</a:t>
+              <a:t>59</a:t>
             </a:fld>
             <a:endParaRPr lang="en-US"/>
           </a:p>
@@ -3597,7 +3597,7 @@
           <a:p>
             <a:fld id="{4F17076B-8A0A-4D88-8A59-70E1D7445D20}" type="slidenum">
               <a:rPr lang="en-US" smtClean="0"/>
-              <a:t>61</a:t>
+              <a:t>60</a:t>
             </a:fld>
             <a:endParaRPr lang="en-US"/>
           </a:p>
@@ -3681,7 +3681,7 @@
           <a:p>
             <a:fld id="{4F17076B-8A0A-4D88-8A59-70E1D7445D20}" type="slidenum">
               <a:rPr lang="en-US" smtClean="0"/>
-              <a:t>62</a:t>
+              <a:t>61</a:t>
             </a:fld>
             <a:endParaRPr lang="en-US"/>
           </a:p>
@@ -3765,7 +3765,7 @@
           <a:p>
             <a:fld id="{4F17076B-8A0A-4D88-8A59-70E1D7445D20}" type="slidenum">
               <a:rPr lang="en-US" smtClean="0"/>
-              <a:t>63</a:t>
+              <a:t>62</a:t>
             </a:fld>
             <a:endParaRPr lang="en-US"/>
           </a:p>
@@ -3849,7 +3849,7 @@
           <a:p>
             <a:fld id="{4F17076B-8A0A-4D88-8A59-70E1D7445D20}" type="slidenum">
               <a:rPr lang="en-US" smtClean="0"/>
-              <a:t>64</a:t>
+              <a:t>63</a:t>
             </a:fld>
             <a:endParaRPr lang="en-US"/>
           </a:p>
@@ -3933,7 +3933,7 @@
           <a:p>
             <a:fld id="{4F17076B-8A0A-4D88-8A59-70E1D7445D20}" type="slidenum">
               <a:rPr lang="en-US" smtClean="0"/>
-              <a:t>28</a:t>
+              <a:t>27</a:t>
             </a:fld>
             <a:endParaRPr lang="en-US"/>
           </a:p>
@@ -4017,7 +4017,7 @@
           <a:p>
             <a:fld id="{4F17076B-8A0A-4D88-8A59-70E1D7445D20}" type="slidenum">
               <a:rPr lang="en-US" smtClean="0"/>
-              <a:t>66</a:t>
+              <a:t>64</a:t>
             </a:fld>
             <a:endParaRPr lang="en-US"/>
           </a:p>
@@ -4101,7 +4101,7 @@
           <a:p>
             <a:fld id="{4F17076B-8A0A-4D88-8A59-70E1D7445D20}" type="slidenum">
               <a:rPr lang="en-US" smtClean="0"/>
-              <a:t>67</a:t>
+              <a:t>66</a:t>
             </a:fld>
             <a:endParaRPr lang="en-US"/>
           </a:p>
@@ -4185,7 +4185,7 @@
           <a:p>
             <a:fld id="{4F17076B-8A0A-4D88-8A59-70E1D7445D20}" type="slidenum">
               <a:rPr lang="en-US" smtClean="0"/>
-              <a:t>68</a:t>
+              <a:t>67</a:t>
             </a:fld>
             <a:endParaRPr lang="en-US"/>
           </a:p>
@@ -4269,7 +4269,7 @@
           <a:p>
             <a:fld id="{4F17076B-8A0A-4D88-8A59-70E1D7445D20}" type="slidenum">
               <a:rPr lang="en-US" smtClean="0"/>
-              <a:t>69</a:t>
+              <a:t>68</a:t>
             </a:fld>
             <a:endParaRPr lang="en-US"/>
           </a:p>
@@ -4353,7 +4353,7 @@
           <a:p>
             <a:fld id="{4F17076B-8A0A-4D88-8A59-70E1D7445D20}" type="slidenum">
               <a:rPr lang="en-US" smtClean="0"/>
-              <a:t>70</a:t>
+              <a:t>69</a:t>
             </a:fld>
             <a:endParaRPr lang="en-US"/>
           </a:p>
@@ -4437,7 +4437,7 @@
           <a:p>
             <a:fld id="{4F17076B-8A0A-4D88-8A59-70E1D7445D20}" type="slidenum">
               <a:rPr lang="en-US" smtClean="0"/>
-              <a:t>71</a:t>
+              <a:t>70</a:t>
             </a:fld>
             <a:endParaRPr lang="en-US"/>
           </a:p>
@@ -4521,7 +4521,7 @@
           <a:p>
             <a:fld id="{4F17076B-8A0A-4D88-8A59-70E1D7445D20}" type="slidenum">
               <a:rPr lang="en-US" smtClean="0"/>
-              <a:t>72</a:t>
+              <a:t>71</a:t>
             </a:fld>
             <a:endParaRPr lang="en-US"/>
           </a:p>
@@ -4605,7 +4605,7 @@
           <a:p>
             <a:fld id="{4F17076B-8A0A-4D88-8A59-70E1D7445D20}" type="slidenum">
               <a:rPr lang="en-US" smtClean="0"/>
-              <a:t>73</a:t>
+              <a:t>72</a:t>
             </a:fld>
             <a:endParaRPr lang="en-US"/>
           </a:p>
@@ -4689,7 +4689,7 @@
           <a:p>
             <a:fld id="{4F17076B-8A0A-4D88-8A59-70E1D7445D20}" type="slidenum">
               <a:rPr lang="en-US" smtClean="0"/>
-              <a:t>74</a:t>
+              <a:t>73</a:t>
             </a:fld>
             <a:endParaRPr lang="en-US"/>
           </a:p>
@@ -4773,7 +4773,7 @@
           <a:p>
             <a:fld id="{4F17076B-8A0A-4D88-8A59-70E1D7445D20}" type="slidenum">
               <a:rPr lang="en-US" smtClean="0"/>
-              <a:t>75</a:t>
+              <a:t>74</a:t>
             </a:fld>
             <a:endParaRPr lang="en-US"/>
           </a:p>
@@ -4857,7 +4857,7 @@
           <a:p>
             <a:fld id="{4F17076B-8A0A-4D88-8A59-70E1D7445D20}" type="slidenum">
               <a:rPr lang="en-US" smtClean="0"/>
-              <a:t>29</a:t>
+              <a:t>28</a:t>
             </a:fld>
             <a:endParaRPr lang="en-US"/>
           </a:p>
@@ -4941,7 +4941,7 @@
           <a:p>
             <a:fld id="{4F17076B-8A0A-4D88-8A59-70E1D7445D20}" type="slidenum">
               <a:rPr lang="en-US" smtClean="0"/>
-              <a:t>76</a:t>
+              <a:t>75</a:t>
             </a:fld>
             <a:endParaRPr lang="en-US"/>
           </a:p>
@@ -5025,7 +5025,7 @@
           <a:p>
             <a:fld id="{4F17076B-8A0A-4D88-8A59-70E1D7445D20}" type="slidenum">
               <a:rPr lang="en-US" smtClean="0"/>
-              <a:t>77</a:t>
+              <a:t>76</a:t>
             </a:fld>
             <a:endParaRPr lang="en-US"/>
           </a:p>
@@ -5109,7 +5109,7 @@
           <a:p>
             <a:fld id="{4F17076B-8A0A-4D88-8A59-70E1D7445D20}" type="slidenum">
               <a:rPr lang="en-US" smtClean="0"/>
-              <a:t>78</a:t>
+              <a:t>77</a:t>
             </a:fld>
             <a:endParaRPr lang="en-US"/>
           </a:p>
@@ -5193,7 +5193,7 @@
           <a:p>
             <a:fld id="{4F17076B-8A0A-4D88-8A59-70E1D7445D20}" type="slidenum">
               <a:rPr lang="en-US" smtClean="0"/>
-              <a:t>79</a:t>
+              <a:t>78</a:t>
             </a:fld>
             <a:endParaRPr lang="en-US"/>
           </a:p>
@@ -5277,7 +5277,7 @@
           <a:p>
             <a:fld id="{4F17076B-8A0A-4D88-8A59-70E1D7445D20}" type="slidenum">
               <a:rPr lang="en-US" smtClean="0"/>
-              <a:t>80</a:t>
+              <a:t>79</a:t>
             </a:fld>
             <a:endParaRPr lang="en-US"/>
           </a:p>
@@ -5361,7 +5361,7 @@
           <a:p>
             <a:fld id="{4F17076B-8A0A-4D88-8A59-70E1D7445D20}" type="slidenum">
               <a:rPr lang="en-US" smtClean="0"/>
-              <a:t>81</a:t>
+              <a:t>80</a:t>
             </a:fld>
             <a:endParaRPr lang="en-US"/>
           </a:p>
@@ -5445,7 +5445,7 @@
           <a:p>
             <a:fld id="{4F17076B-8A0A-4D88-8A59-70E1D7445D20}" type="slidenum">
               <a:rPr lang="en-US" smtClean="0"/>
-              <a:t>82</a:t>
+              <a:t>81</a:t>
             </a:fld>
             <a:endParaRPr lang="en-US"/>
           </a:p>
@@ -5529,7 +5529,7 @@
           <a:p>
             <a:fld id="{4F17076B-8A0A-4D88-8A59-70E1D7445D20}" type="slidenum">
               <a:rPr lang="en-US" smtClean="0"/>
-              <a:t>83</a:t>
+              <a:t>82</a:t>
             </a:fld>
             <a:endParaRPr lang="en-US"/>
           </a:p>
@@ -5613,7 +5613,7 @@
           <a:p>
             <a:fld id="{4F17076B-8A0A-4D88-8A59-70E1D7445D20}" type="slidenum">
               <a:rPr lang="en-US" smtClean="0"/>
-              <a:t>84</a:t>
+              <a:t>83</a:t>
             </a:fld>
             <a:endParaRPr lang="en-US"/>
           </a:p>
@@ -5697,7 +5697,7 @@
           <a:p>
             <a:fld id="{4F17076B-8A0A-4D88-8A59-70E1D7445D20}" type="slidenum">
               <a:rPr lang="en-US" smtClean="0"/>
-              <a:t>85</a:t>
+              <a:t>84</a:t>
             </a:fld>
             <a:endParaRPr lang="en-US"/>
           </a:p>
@@ -5781,7 +5781,7 @@
           <a:p>
             <a:fld id="{4F17076B-8A0A-4D88-8A59-70E1D7445D20}" type="slidenum">
               <a:rPr lang="en-US" smtClean="0"/>
-              <a:t>30</a:t>
+              <a:t>29</a:t>
             </a:fld>
             <a:endParaRPr lang="en-US"/>
           </a:p>
@@ -5865,7 +5865,7 @@
           <a:p>
             <a:fld id="{4F17076B-8A0A-4D88-8A59-70E1D7445D20}" type="slidenum">
               <a:rPr lang="en-US" smtClean="0"/>
-              <a:t>86</a:t>
+              <a:t>85</a:t>
             </a:fld>
             <a:endParaRPr lang="en-US"/>
           </a:p>
@@ -5949,7 +5949,7 @@
           <a:p>
             <a:fld id="{4F17076B-8A0A-4D88-8A59-70E1D7445D20}" type="slidenum">
               <a:rPr lang="en-US" smtClean="0"/>
-              <a:t>87</a:t>
+              <a:t>86</a:t>
             </a:fld>
             <a:endParaRPr lang="en-US"/>
           </a:p>
@@ -6033,7 +6033,7 @@
           <a:p>
             <a:fld id="{4F17076B-8A0A-4D88-8A59-70E1D7445D20}" type="slidenum">
               <a:rPr lang="en-US" smtClean="0"/>
-              <a:t>88</a:t>
+              <a:t>87</a:t>
             </a:fld>
             <a:endParaRPr lang="en-US"/>
           </a:p>
@@ -6117,7 +6117,7 @@
           <a:p>
             <a:fld id="{4F17076B-8A0A-4D88-8A59-70E1D7445D20}" type="slidenum">
               <a:rPr lang="en-US" smtClean="0"/>
-              <a:t>89</a:t>
+              <a:t>88</a:t>
             </a:fld>
             <a:endParaRPr lang="en-US"/>
           </a:p>
@@ -6201,7 +6201,7 @@
           <a:p>
             <a:fld id="{4F17076B-8A0A-4D88-8A59-70E1D7445D20}" type="slidenum">
               <a:rPr lang="en-US" smtClean="0"/>
-              <a:t>90</a:t>
+              <a:t>89</a:t>
             </a:fld>
             <a:endParaRPr lang="en-US"/>
           </a:p>
@@ -6285,7 +6285,7 @@
           <a:p>
             <a:fld id="{4F17076B-8A0A-4D88-8A59-70E1D7445D20}" type="slidenum">
               <a:rPr lang="en-US" smtClean="0"/>
-              <a:t>91</a:t>
+              <a:t>90</a:t>
             </a:fld>
             <a:endParaRPr lang="en-US"/>
           </a:p>
@@ -6369,7 +6369,7 @@
           <a:p>
             <a:fld id="{4F17076B-8A0A-4D88-8A59-70E1D7445D20}" type="slidenum">
               <a:rPr lang="en-US" smtClean="0"/>
-              <a:t>92</a:t>
+              <a:t>91</a:t>
             </a:fld>
             <a:endParaRPr lang="en-US"/>
           </a:p>
@@ -6453,7 +6453,7 @@
           <a:p>
             <a:fld id="{4F17076B-8A0A-4D88-8A59-70E1D7445D20}" type="slidenum">
               <a:rPr lang="en-US" smtClean="0"/>
-              <a:t>93</a:t>
+              <a:t>92</a:t>
             </a:fld>
             <a:endParaRPr lang="en-US"/>
           </a:p>
@@ -6537,7 +6537,7 @@
           <a:p>
             <a:fld id="{4F17076B-8A0A-4D88-8A59-70E1D7445D20}" type="slidenum">
               <a:rPr lang="en-US" smtClean="0"/>
-              <a:t>94</a:t>
+              <a:t>93</a:t>
             </a:fld>
             <a:endParaRPr lang="en-US"/>
           </a:p>
@@ -6621,7 +6621,7 @@
           <a:p>
             <a:fld id="{4F17076B-8A0A-4D88-8A59-70E1D7445D20}" type="slidenum">
               <a:rPr lang="en-US" smtClean="0"/>
-              <a:t>95</a:t>
+              <a:t>94</a:t>
             </a:fld>
             <a:endParaRPr lang="en-US"/>
           </a:p>
@@ -6705,7 +6705,7 @@
           <a:p>
             <a:fld id="{4F17076B-8A0A-4D88-8A59-70E1D7445D20}" type="slidenum">
               <a:rPr lang="en-US" smtClean="0"/>
-              <a:t>31</a:t>
+              <a:t>30</a:t>
             </a:fld>
             <a:endParaRPr lang="en-US"/>
           </a:p>
@@ -6789,7 +6789,7 @@
           <a:p>
             <a:fld id="{4F17076B-8A0A-4D88-8A59-70E1D7445D20}" type="slidenum">
               <a:rPr lang="en-US" smtClean="0"/>
-              <a:t>96</a:t>
+              <a:t>95</a:t>
             </a:fld>
             <a:endParaRPr lang="en-US"/>
           </a:p>
@@ -6873,7 +6873,7 @@
           <a:p>
             <a:fld id="{4F17076B-8A0A-4D88-8A59-70E1D7445D20}" type="slidenum">
               <a:rPr lang="en-US" smtClean="0"/>
-              <a:t>97</a:t>
+              <a:t>96</a:t>
             </a:fld>
             <a:endParaRPr lang="en-US"/>
           </a:p>
@@ -6957,7 +6957,7 @@
           <a:p>
             <a:fld id="{4F17076B-8A0A-4D88-8A59-70E1D7445D20}" type="slidenum">
               <a:rPr lang="en-US" smtClean="0"/>
-              <a:t>98</a:t>
+              <a:t>97</a:t>
             </a:fld>
             <a:endParaRPr lang="en-US"/>
           </a:p>
@@ -7041,7 +7041,7 @@
           <a:p>
             <a:fld id="{4F17076B-8A0A-4D88-8A59-70E1D7445D20}" type="slidenum">
               <a:rPr lang="en-US" smtClean="0"/>
-              <a:t>99</a:t>
+              <a:t>98</a:t>
             </a:fld>
             <a:endParaRPr lang="en-US"/>
           </a:p>
@@ -7125,7 +7125,7 @@
           <a:p>
             <a:fld id="{4F17076B-8A0A-4D88-8A59-70E1D7445D20}" type="slidenum">
               <a:rPr lang="en-US" smtClean="0"/>
-              <a:t>100</a:t>
+              <a:t>99</a:t>
             </a:fld>
             <a:endParaRPr lang="en-US"/>
           </a:p>
@@ -7209,7 +7209,7 @@
           <a:p>
             <a:fld id="{4F17076B-8A0A-4D88-8A59-70E1D7445D20}" type="slidenum">
               <a:rPr lang="en-US" smtClean="0"/>
-              <a:t>101</a:t>
+              <a:t>100</a:t>
             </a:fld>
             <a:endParaRPr lang="en-US"/>
           </a:p>
@@ -7293,7 +7293,7 @@
           <a:p>
             <a:fld id="{4F17076B-8A0A-4D88-8A59-70E1D7445D20}" type="slidenum">
               <a:rPr lang="en-US" smtClean="0"/>
-              <a:t>102</a:t>
+              <a:t>101</a:t>
             </a:fld>
             <a:endParaRPr lang="en-US"/>
           </a:p>
@@ -7377,7 +7377,7 @@
           <a:p>
             <a:fld id="{4F17076B-8A0A-4D88-8A59-70E1D7445D20}" type="slidenum">
               <a:rPr lang="en-US" smtClean="0"/>
-              <a:t>103</a:t>
+              <a:t>102</a:t>
             </a:fld>
             <a:endParaRPr lang="en-US"/>
           </a:p>
@@ -7461,7 +7461,7 @@
           <a:p>
             <a:fld id="{4F17076B-8A0A-4D88-8A59-70E1D7445D20}" type="slidenum">
               <a:rPr lang="en-US" smtClean="0"/>
-              <a:t>104</a:t>
+              <a:t>103</a:t>
             </a:fld>
             <a:endParaRPr lang="en-US"/>
           </a:p>
@@ -7545,7 +7545,7 @@
           <a:p>
             <a:fld id="{4F17076B-8A0A-4D88-8A59-70E1D7445D20}" type="slidenum">
               <a:rPr lang="en-US" smtClean="0"/>
-              <a:t>105</a:t>
+              <a:t>104</a:t>
             </a:fld>
             <a:endParaRPr lang="en-US"/>
           </a:p>
@@ -7608,10 +7608,6 @@
           <a:bodyPr/>
           <a:lstStyle/>
           <a:p>
-            <a:r>
-              <a:rPr lang="sr-Latn-RS" dirty="0" smtClean="0"/>
-              <a:t>* U žargonu se nazivaju kablovski Internet</a:t>
-            </a:r>
             <a:endParaRPr lang="en-US" dirty="0"/>
           </a:p>
         </p:txBody>
@@ -7633,7 +7629,7 @@
           <a:p>
             <a:fld id="{4F17076B-8A0A-4D88-8A59-70E1D7445D20}" type="slidenum">
               <a:rPr lang="en-US" smtClean="0"/>
-              <a:t>32</a:t>
+              <a:t>31</a:t>
             </a:fld>
             <a:endParaRPr lang="en-US"/>
           </a:p>
@@ -7717,7 +7713,7 @@
           <a:p>
             <a:fld id="{4F17076B-8A0A-4D88-8A59-70E1D7445D20}" type="slidenum">
               <a:rPr lang="en-US" smtClean="0"/>
-              <a:t>106</a:t>
+              <a:t>105</a:t>
             </a:fld>
             <a:endParaRPr lang="en-US"/>
           </a:p>
@@ -7801,7 +7797,7 @@
           <a:p>
             <a:fld id="{4F17076B-8A0A-4D88-8A59-70E1D7445D20}" type="slidenum">
               <a:rPr lang="en-US" smtClean="0"/>
-              <a:t>107</a:t>
+              <a:t>106</a:t>
             </a:fld>
             <a:endParaRPr lang="en-US"/>
           </a:p>
@@ -7885,7 +7881,7 @@
           <a:p>
             <a:fld id="{4F17076B-8A0A-4D88-8A59-70E1D7445D20}" type="slidenum">
               <a:rPr lang="en-US" smtClean="0"/>
-              <a:t>108</a:t>
+              <a:t>107</a:t>
             </a:fld>
             <a:endParaRPr lang="en-US"/>
           </a:p>
@@ -7969,7 +7965,7 @@
           <a:p>
             <a:fld id="{4F17076B-8A0A-4D88-8A59-70E1D7445D20}" type="slidenum">
               <a:rPr lang="en-US" smtClean="0"/>
-              <a:t>109</a:t>
+              <a:t>108</a:t>
             </a:fld>
             <a:endParaRPr lang="en-US"/>
           </a:p>
@@ -8053,7 +8049,7 @@
           <a:p>
             <a:fld id="{4F17076B-8A0A-4D88-8A59-70E1D7445D20}" type="slidenum">
               <a:rPr lang="en-US" smtClean="0"/>
-              <a:t>110</a:t>
+              <a:t>109</a:t>
             </a:fld>
             <a:endParaRPr lang="en-US"/>
           </a:p>
@@ -8137,7 +8133,7 @@
           <a:p>
             <a:fld id="{4F17076B-8A0A-4D88-8A59-70E1D7445D20}" type="slidenum">
               <a:rPr lang="en-US" smtClean="0"/>
-              <a:t>111</a:t>
+              <a:t>110</a:t>
             </a:fld>
             <a:endParaRPr lang="en-US"/>
           </a:p>
@@ -8221,7 +8217,7 @@
           <a:p>
             <a:fld id="{4F17076B-8A0A-4D88-8A59-70E1D7445D20}" type="slidenum">
               <a:rPr lang="en-US" smtClean="0"/>
-              <a:t>112</a:t>
+              <a:t>111</a:t>
             </a:fld>
             <a:endParaRPr lang="en-US"/>
           </a:p>
@@ -8305,6 +8301,90 @@
           <a:p>
             <a:fld id="{4F17076B-8A0A-4D88-8A59-70E1D7445D20}" type="slidenum">
               <a:rPr lang="en-US" smtClean="0"/>
+              <a:t>112</a:t>
+            </a:fld>
+            <a:endParaRPr lang="en-US"/>
+          </a:p>
+        </p:txBody>
+      </p:sp>
+    </p:spTree>
+    <p:extLst>
+      <p:ext uri="{BB962C8B-B14F-4D97-AF65-F5344CB8AC3E}">
+        <p14:creationId xmlns:p14="http://schemas.microsoft.com/office/powerpoint/2010/main" val="109522752"/>
+      </p:ext>
+    </p:extLst>
+  </p:cSld>
+  <p:clrMapOvr>
+    <a:masterClrMapping/>
+  </p:clrMapOvr>
+</p:notes>
+</file>
+
+<file path=ppt/notesSlides/notesSlide88.xml><?xml version="1.0" encoding="utf-8"?>
+<p:notes xmlns:a="http://schemas.openxmlformats.org/drawingml/2006/main" xmlns:r="http://schemas.openxmlformats.org/officeDocument/2006/relationships" xmlns:p="http://schemas.openxmlformats.org/presentationml/2006/main">
+  <p:cSld>
+    <p:spTree>
+      <p:nvGrpSpPr>
+        <p:cNvPr id="1" name=""/>
+        <p:cNvGrpSpPr/>
+        <p:nvPr/>
+      </p:nvGrpSpPr>
+      <p:grpSpPr>
+        <a:xfrm>
+          <a:off x="0" y="0"/>
+          <a:ext cx="0" cy="0"/>
+          <a:chOff x="0" y="0"/>
+          <a:chExt cx="0" cy="0"/>
+        </a:xfrm>
+      </p:grpSpPr>
+      <p:sp>
+        <p:nvSpPr>
+          <p:cNvPr id="2" name="Slide Image Placeholder 1"/>
+          <p:cNvSpPr>
+            <a:spLocks noGrp="1" noRot="1" noChangeAspect="1"/>
+          </p:cNvSpPr>
+          <p:nvPr>
+            <p:ph type="sldImg"/>
+          </p:nvPr>
+        </p:nvSpPr>
+        <p:spPr/>
+      </p:sp>
+      <p:sp>
+        <p:nvSpPr>
+          <p:cNvPr id="3" name="Notes Placeholder 2"/>
+          <p:cNvSpPr>
+            <a:spLocks noGrp="1"/>
+          </p:cNvSpPr>
+          <p:nvPr>
+            <p:ph type="body" idx="1"/>
+          </p:nvPr>
+        </p:nvSpPr>
+        <p:spPr/>
+        <p:txBody>
+          <a:bodyPr/>
+          <a:lstStyle/>
+          <a:p>
+            <a:endParaRPr lang="en-US" dirty="0"/>
+          </a:p>
+        </p:txBody>
+      </p:sp>
+      <p:sp>
+        <p:nvSpPr>
+          <p:cNvPr id="4" name="Slide Number Placeholder 3"/>
+          <p:cNvSpPr>
+            <a:spLocks noGrp="1"/>
+          </p:cNvSpPr>
+          <p:nvPr>
+            <p:ph type="sldNum" sz="quarter" idx="10"/>
+          </p:nvPr>
+        </p:nvSpPr>
+        <p:spPr/>
+        <p:txBody>
+          <a:bodyPr/>
+          <a:lstStyle/>
+          <a:p>
+            <a:fld id="{4F17076B-8A0A-4D88-8A59-70E1D7445D20}" type="slidenum">
+              <a:rPr lang="en-US" smtClean="0"/>
               <a:t>113</a:t>
             </a:fld>
             <a:endParaRPr lang="en-US"/>
@@ -8368,6 +8448,10 @@
           <a:bodyPr/>
           <a:lstStyle/>
           <a:p>
+            <a:r>
+              <a:rPr lang="sr-Latn-RS" dirty="0" smtClean="0"/>
+              <a:t>* U žargonu se nazivaju kablovski Internet</a:t>
+            </a:r>
             <a:endParaRPr lang="en-US" dirty="0"/>
           </a:p>
         </p:txBody>
@@ -8389,7 +8473,7 @@
           <a:p>
             <a:fld id="{4F17076B-8A0A-4D88-8A59-70E1D7445D20}" type="slidenum">
               <a:rPr lang="en-US" smtClean="0"/>
-              <a:t>33</a:t>
+              <a:t>32</a:t>
             </a:fld>
             <a:endParaRPr lang="en-US"/>
           </a:p>
@@ -36316,7 +36400,19 @@
             </a:r>
             <a:r>
               <a:rPr lang="sr-Latn-RS" altLang="en-US" dirty="0"/>
-              <a:t>(GIS) { sistemi koji </a:t>
+              <a:t>(GIS) </a:t>
+            </a:r>
+            <a:r>
+              <a:rPr lang="en-US" altLang="en-US" dirty="0"/>
+              <a:t>-</a:t>
+            </a:r>
+            <a:r>
+              <a:rPr lang="sr-Latn-RS" altLang="en-US" dirty="0" smtClean="0"/>
+              <a:t> </a:t>
+            </a:r>
+            <a:r>
+              <a:rPr lang="sr-Latn-RS" altLang="en-US" dirty="0"/>
+              <a:t>sistemi koji </a:t>
             </a:r>
             <a:r>
               <a:rPr lang="sr-Latn-RS" altLang="en-US" dirty="0" smtClean="0"/>
@@ -41508,11 +41604,7 @@
             </a:r>
             <a:r>
               <a:rPr lang="sr-Latn-RS" altLang="en-US" dirty="0" smtClean="0"/>
-              <a:t>sloja na </a:t>
-            </a:r>
-            <a:r>
-              <a:rPr lang="sr-Latn-RS" altLang="en-US" dirty="0" smtClean="0"/>
-              <a:t>mre</a:t>
+              <a:t>sloja na mre</a:t>
             </a:r>
             <a:r>
               <a:rPr lang="sr-Latn-RS" altLang="en-US" dirty="0"/>
@@ -42543,7 +42635,6 @@
               <a:rPr lang="sr-Latn-RS" altLang="en-US" dirty="0" smtClean="0"/>
               <a:t>8</a:t>
             </a:r>
-            <a:endParaRPr lang="sr-Latn-RS" altLang="en-US" dirty="0" smtClean="0"/>
           </a:p>
         </p:txBody>
       </p:sp>
@@ -42635,15 +42726,7 @@
                   <a:schemeClr val="hlink"/>
                 </a:solidFill>
               </a:rPr>
-              <a:t>adresa (3</a:t>
-            </a:r>
-            <a:r>
-              <a:rPr lang="sr-Latn-RS" altLang="en-US" sz="3200" dirty="0" smtClean="0">
-                <a:solidFill>
-                  <a:schemeClr val="hlink"/>
-                </a:solidFill>
-              </a:rPr>
-              <a:t>)</a:t>
+              <a:t>adresa (3)</a:t>
             </a:r>
             <a:endParaRPr lang="en-US" altLang="en-US" b="1" dirty="0" smtClean="0"/>
           </a:p>
@@ -42672,11 +42755,7 @@
             <a:pPr marL="857250" lvl="1" indent="-457200" eaLnBrk="1" hangingPunct="1"/>
             <a:r>
               <a:rPr lang="sr-Latn-RS" altLang="en-US" dirty="0" smtClean="0"/>
-              <a:t>Ranije </a:t>
-            </a:r>
-            <a:r>
-              <a:rPr lang="sr-Latn-RS" altLang="en-US" dirty="0" smtClean="0"/>
-              <a:t>su IP </a:t>
+              <a:t>Ranije su IP </a:t>
             </a:r>
             <a:r>
               <a:rPr lang="sr-Latn-RS" altLang="en-US" dirty="0"/>
@@ -43057,15 +43136,7 @@
                   <a:schemeClr val="hlink"/>
                 </a:solidFill>
               </a:rPr>
-              <a:t>adresa (4</a:t>
-            </a:r>
-            <a:r>
-              <a:rPr lang="sr-Latn-RS" altLang="en-US" sz="3200" dirty="0" smtClean="0">
-                <a:solidFill>
-                  <a:schemeClr val="hlink"/>
-                </a:solidFill>
-              </a:rPr>
-              <a:t>)</a:t>
+              <a:t>adresa (4)</a:t>
             </a:r>
             <a:endParaRPr lang="en-US" altLang="en-US" b="1" dirty="0" smtClean="0"/>
           </a:p>
@@ -43395,7 +43466,6 @@
               <a:rPr lang="sr-Latn-RS" altLang="en-US" sz="1200" kern="0" dirty="0" smtClean="0"/>
               <a:t>IP adresa studentskog servera Matematičkog fakulteta</a:t>
             </a:r>
-            <a:endParaRPr lang="sr-Latn-RS" altLang="en-US" sz="1200" kern="0" dirty="0" smtClean="0"/>
           </a:p>
         </p:txBody>
       </p:sp>
@@ -43565,15 +43635,7 @@
                   <a:schemeClr val="hlink"/>
                 </a:solidFill>
               </a:rPr>
-              <a:t> </a:t>
-            </a:r>
-            <a:r>
-              <a:rPr lang="en-US" altLang="en-US" sz="3200" dirty="0" smtClean="0">
-                <a:solidFill>
-                  <a:schemeClr val="hlink"/>
-                </a:solidFill>
-              </a:rPr>
-              <a:t>(</a:t>
+              <a:t> (</a:t>
             </a:r>
             <a:r>
               <a:rPr lang="sr-Latn-RS" altLang="en-US" sz="3200" dirty="0" smtClean="0">
@@ -44901,15 +44963,23 @@
                   <a:schemeClr val="hlink"/>
                 </a:solidFill>
               </a:rPr>
-              <a:t>adrese (</a:t>
-            </a:r>
-            <a:r>
-              <a:rPr lang="sr-Latn-RS" altLang="en-US" sz="3200" dirty="0">
+              <a:t>adrese </a:t>
+            </a:r>
+            <a:r>
+              <a:rPr lang="sr-Latn-RS" altLang="en-US" sz="3200" dirty="0" smtClean="0">
                 <a:solidFill>
                   <a:schemeClr val="hlink"/>
                 </a:solidFill>
               </a:rPr>
-              <a:t>4</a:t>
+              <a:t>(</a:t>
+            </a:r>
+            <a:r>
+              <a:rPr lang="en-US" altLang="en-US" sz="3200" dirty="0">
+                <a:solidFill>
+                  <a:schemeClr val="hlink"/>
+                </a:solidFill>
+              </a:rPr>
+              <a:t>2</a:t>
             </a:r>
             <a:r>
               <a:rPr lang="sr-Latn-RS" altLang="en-US" sz="3200" dirty="0" smtClean="0">
@@ -45132,7 +45202,23 @@
                   <a:schemeClr val="hlink"/>
                 </a:solidFill>
               </a:rPr>
-              <a:t>(5)</a:t>
+              <a:t>(</a:t>
+            </a:r>
+            <a:r>
+              <a:rPr lang="en-US" altLang="en-US" sz="3200" dirty="0" smtClean="0">
+                <a:solidFill>
+                  <a:schemeClr val="hlink"/>
+                </a:solidFill>
+              </a:rPr>
+              <a:t>3</a:t>
+            </a:r>
+            <a:r>
+              <a:rPr lang="sr-Latn-RS" altLang="en-US" sz="3200" dirty="0" smtClean="0">
+                <a:solidFill>
+                  <a:schemeClr val="hlink"/>
+                </a:solidFill>
+              </a:rPr>
+              <a:t>)</a:t>
             </a:r>
             <a:endParaRPr lang="en-US" altLang="en-US" b="1" dirty="0" smtClean="0"/>
           </a:p>
@@ -45839,16 +45925,24 @@
               <a:t> se mogu graditi </a:t>
             </a:r>
             <a:r>
-              <a:rPr lang="sr-Latn-RS" altLang="en-US" dirty="0" err="1"/>
-              <a:t>staticki</a:t>
-            </a:r>
-            <a:r>
-              <a:rPr lang="sr-Latn-RS" altLang="en-US" dirty="0"/>
-              <a:t> ili </a:t>
-            </a:r>
-            <a:r>
-              <a:rPr lang="sr-Latn-RS" altLang="en-US" dirty="0" err="1"/>
-              <a:t>dinamicki</a:t>
+              <a:rPr lang="sr-Latn-RS" altLang="en-US" dirty="0" smtClean="0"/>
+              <a:t>stati</a:t>
+            </a:r>
+            <a:r>
+              <a:rPr lang="sr-Latn-RS" altLang="en-US" dirty="0"/>
+              <a:t>č</a:t>
+            </a:r>
+            <a:r>
+              <a:rPr lang="sr-Latn-RS" altLang="en-US" dirty="0" smtClean="0"/>
+              <a:t>ki </a:t>
+            </a:r>
+            <a:r>
+              <a:rPr lang="sr-Latn-RS" altLang="en-US" dirty="0"/>
+              <a:t>ili </a:t>
+            </a:r>
+            <a:r>
+              <a:rPr lang="sr-Latn-RS" altLang="en-US" dirty="0" smtClean="0"/>
+              <a:t>dinamički</a:t>
             </a:r>
             <a:endParaRPr lang="sr-Latn-RS" altLang="en-US" dirty="0" smtClean="0"/>
           </a:p>
@@ -50465,13 +50559,8 @@
             </a:r>
             <a:r>
               <a:rPr lang="sr-Latn-RS" altLang="en-US" dirty="0" smtClean="0"/>
-              <a:t>zasnovana na veb </a:t>
-            </a:r>
-            <a:r>
-              <a:rPr lang="sr-Latn-RS" altLang="en-US" dirty="0" smtClean="0"/>
-              <a:t>stranicama </a:t>
-            </a:r>
-            <a:endParaRPr lang="sr-Latn-RS" altLang="en-US" dirty="0" smtClean="0"/>
+              <a:t>zasnovana na veb stranicama </a:t>
+            </a:r>
           </a:p>
           <a:p>
             <a:pPr marL="1257300" lvl="2" indent="-457200" eaLnBrk="1" hangingPunct="1"/>

--- a/predavanja/prezentacije/UVIT01-02-Uvod u Internet.pptx
+++ b/predavanja/prezentacije/UVIT01-02-Uvod u Internet.pptx
@@ -338,7 +338,7 @@
           <a:p>
             <a:fld id="{F07B70C6-757F-4600-A347-5E68BBCA3609}" type="datetimeFigureOut">
               <a:rPr lang="en-US" smtClean="0"/>
-              <a:t>10/7/2018</a:t>
+              <a:t>10/11/2018</a:t>
             </a:fld>
             <a:endParaRPr lang="en-US"/>
           </a:p>
@@ -503,7 +503,7 @@
           <a:p>
             <a:fld id="{6B3683FA-0560-4266-A2CA-8A7D404C35FD}" type="datetimeFigureOut">
               <a:rPr lang="en-US" smtClean="0"/>
-              <a:t>10/7/2018</a:t>
+              <a:t>10/11/2018</a:t>
             </a:fld>
             <a:endParaRPr lang="en-US"/>
           </a:p>
@@ -12189,7 +12189,15 @@
             </a:r>
             <a:r>
               <a:rPr lang="sr-Latn-RS" altLang="en-US" dirty="0"/>
-              <a:t>nakon ˇsto je uspostavljena TCP konekcija sa nekih </a:t>
+              <a:t>nakon š</a:t>
+            </a:r>
+            <a:r>
+              <a:rPr lang="sr-Latn-RS" altLang="en-US" dirty="0" smtClean="0"/>
+              <a:t>to </a:t>
+            </a:r>
+            <a:r>
+              <a:rPr lang="sr-Latn-RS" altLang="en-US" dirty="0"/>
+              <a:t>je uspostavljena TCP konekcija sa nekih </a:t>
             </a:r>
             <a:r>
               <a:rPr lang="sr-Latn-RS" altLang="en-US" dirty="0" smtClean="0"/>
@@ -16419,7 +16427,23 @@
             </a:r>
             <a:r>
               <a:rPr lang="sr-Latn-RS" altLang="en-US" dirty="0"/>
-              <a:t>. Jedna konekcija (obiˇcno na portu 21) se koristi za prenos </a:t>
+              <a:t>. Jedna konekcija (</a:t>
+            </a:r>
+            <a:r>
+              <a:rPr lang="sr-Latn-RS" altLang="en-US" dirty="0" smtClean="0"/>
+              <a:t>obi</a:t>
+            </a:r>
+            <a:r>
+              <a:rPr lang="sr-Latn-RS" altLang="en-US" dirty="0"/>
+              <a:t>č</a:t>
+            </a:r>
+            <a:r>
+              <a:rPr lang="sr-Latn-RS" altLang="en-US" dirty="0" smtClean="0"/>
+              <a:t>no </a:t>
+            </a:r>
+            <a:r>
+              <a:rPr lang="sr-Latn-RS" altLang="en-US" dirty="0"/>
+              <a:t>na portu 21) se koristi za prenos </a:t>
             </a:r>
             <a:r>
               <a:rPr lang="sr-Latn-RS" altLang="en-US" dirty="0" smtClean="0"/>
@@ -16427,7 +16451,23 @@
             </a:r>
             <a:r>
               <a:rPr lang="sr-Latn-RS" altLang="en-US" dirty="0"/>
-              <a:t>, a druga (obiˇcno na portu 20) za prenos samih </a:t>
+              <a:t>, a druga (</a:t>
+            </a:r>
+            <a:r>
+              <a:rPr lang="sr-Latn-RS" altLang="en-US" dirty="0" smtClean="0"/>
+              <a:t>obi</a:t>
+            </a:r>
+            <a:r>
+              <a:rPr lang="sr-Latn-RS" altLang="en-US" dirty="0"/>
+              <a:t>č</a:t>
+            </a:r>
+            <a:r>
+              <a:rPr lang="sr-Latn-RS" altLang="en-US" dirty="0" smtClean="0"/>
+              <a:t>no </a:t>
+            </a:r>
+            <a:r>
+              <a:rPr lang="sr-Latn-RS" altLang="en-US" dirty="0"/>
+              <a:t>na portu 20) za prenos samih </a:t>
             </a:r>
             <a:r>
               <a:rPr lang="sr-Latn-RS" altLang="en-US" dirty="0" smtClean="0"/>
@@ -44963,15 +45003,7 @@
                   <a:schemeClr val="hlink"/>
                 </a:solidFill>
               </a:rPr>
-              <a:t>adrese </a:t>
-            </a:r>
-            <a:r>
-              <a:rPr lang="sr-Latn-RS" altLang="en-US" sz="3200" dirty="0" smtClean="0">
-                <a:solidFill>
-                  <a:schemeClr val="hlink"/>
-                </a:solidFill>
-              </a:rPr>
-              <a:t>(</a:t>
+              <a:t>adrese (</a:t>
             </a:r>
             <a:r>
               <a:rPr lang="en-US" altLang="en-US" sz="3200" dirty="0">
@@ -45944,7 +45976,6 @@
               <a:rPr lang="sr-Latn-RS" altLang="en-US" dirty="0" smtClean="0"/>
               <a:t>dinamički</a:t>
             </a:r>
-            <a:endParaRPr lang="sr-Latn-RS" altLang="en-US" dirty="0" smtClean="0"/>
           </a:p>
         </p:txBody>
       </p:sp>
